--- a/03_pranning/00_本企画.pptx
+++ b/03_pranning/00_本企画.pptx
@@ -6,6 +6,8 @@
   </p:sldMasterIdLst>
   <p:sldIdLst>
     <p:sldId id="256" r:id="rId2"/>
+    <p:sldId id="258" r:id="rId3"/>
+    <p:sldId id="257" r:id="rId4"/>
   </p:sldIdLst>
   <p:sldSz cx="12192000" cy="6858000"/>
   <p:notesSz cx="6858000" cy="9144000"/>
@@ -104,6 +106,11 @@
       </a:defRPr>
     </a:lvl9pPr>
   </p:defaultTextStyle>
+  <p:extLst>
+    <p:ext uri="{EFAFB233-063F-42B5-8137-9DF3F51BA10A}">
+      <p15:sldGuideLst xmlns:p15="http://schemas.microsoft.com/office/powerpoint/2012/main"/>
+    </p:ext>
+  </p:extLst>
 </p:presentation>
 </file>
 
@@ -3632,7 +3639,7 @@
           <a:p>
             <a:r>
               <a:rPr kumimoji="1" lang="ja-JP" altLang="en-US" dirty="0"/>
-              <a:t>本企画</a:t>
+              <a:t>デビルワールド</a:t>
             </a:r>
           </a:p>
         </p:txBody>
@@ -3674,6 +3681,528 @@
     <p:extLst>
       <p:ext uri="{BB962C8B-B14F-4D97-AF65-F5344CB8AC3E}">
         <p14:creationId xmlns:p14="http://schemas.microsoft.com/office/powerpoint/2010/main" val="664435279"/>
+      </p:ext>
+    </p:extLst>
+  </p:cSld>
+  <p:clrMapOvr>
+    <a:masterClrMapping/>
+  </p:clrMapOvr>
+</p:sld>
+</file>
+
+<file path=ppt/slides/slide2.xml><?xml version="1.0" encoding="utf-8"?>
+<p:sld xmlns:a="http://schemas.openxmlformats.org/drawingml/2006/main" xmlns:r="http://schemas.openxmlformats.org/officeDocument/2006/relationships" xmlns:p="http://schemas.openxmlformats.org/presentationml/2006/main">
+  <p:cSld>
+    <p:spTree>
+      <p:nvGrpSpPr>
+        <p:cNvPr id="1" name=""/>
+        <p:cNvGrpSpPr/>
+        <p:nvPr/>
+      </p:nvGrpSpPr>
+      <p:grpSpPr>
+        <a:xfrm>
+          <a:off x="0" y="0"/>
+          <a:ext cx="0" cy="0"/>
+          <a:chOff x="0" y="0"/>
+          <a:chExt cx="0" cy="0"/>
+        </a:xfrm>
+      </p:grpSpPr>
+      <p:sp>
+        <p:nvSpPr>
+          <p:cNvPr id="2" name="タイトル 1">
+            <a:extLst>
+              <a:ext uri="{FF2B5EF4-FFF2-40B4-BE49-F238E27FC236}">
+                <a16:creationId xmlns:a16="http://schemas.microsoft.com/office/drawing/2014/main" id="{03BA0322-063A-4D28-B2A8-F34ECE407FD0}"/>
+              </a:ext>
+            </a:extLst>
+          </p:cNvPr>
+          <p:cNvSpPr>
+            <a:spLocks noGrp="1"/>
+          </p:cNvSpPr>
+          <p:nvPr>
+            <p:ph type="title"/>
+          </p:nvPr>
+        </p:nvSpPr>
+        <p:spPr/>
+        <p:txBody>
+          <a:bodyPr/>
+          <a:lstStyle/>
+          <a:p>
+            <a:r>
+              <a:rPr kumimoji="1" lang="ja-JP" altLang="en-US" dirty="0"/>
+              <a:t>ターゲット・コンセプト</a:t>
+            </a:r>
+          </a:p>
+        </p:txBody>
+      </p:sp>
+      <p:sp>
+        <p:nvSpPr>
+          <p:cNvPr id="3" name="コンテンツ プレースホルダー 2">
+            <a:extLst>
+              <a:ext uri="{FF2B5EF4-FFF2-40B4-BE49-F238E27FC236}">
+                <a16:creationId xmlns:a16="http://schemas.microsoft.com/office/drawing/2014/main" id="{9562E871-E0CE-41B2-AC84-2B5CBBA01099}"/>
+              </a:ext>
+            </a:extLst>
+          </p:cNvPr>
+          <p:cNvSpPr>
+            <a:spLocks noGrp="1"/>
+          </p:cNvSpPr>
+          <p:nvPr>
+            <p:ph idx="1"/>
+          </p:nvPr>
+        </p:nvSpPr>
+        <p:spPr/>
+        <p:txBody>
+          <a:bodyPr/>
+          <a:lstStyle/>
+          <a:p>
+            <a:pPr marL="0" indent="0">
+              <a:buNone/>
+            </a:pPr>
+            <a:r>
+              <a:rPr lang="ja-JP" altLang="en-US" dirty="0"/>
+              <a:t>ターゲット</a:t>
+            </a:r>
+            <a:endParaRPr lang="en-US" altLang="ja-JP" dirty="0"/>
+          </a:p>
+          <a:p>
+            <a:pPr marL="0" indent="0">
+              <a:buNone/>
+            </a:pPr>
+            <a:r>
+              <a:rPr kumimoji="1" lang="ja-JP" altLang="en-US" dirty="0"/>
+              <a:t>・</a:t>
+            </a:r>
+            <a:r>
+              <a:rPr kumimoji="1" lang="en-US" altLang="ja-JP" dirty="0"/>
+              <a:t>AKR</a:t>
+            </a:r>
+            <a:r>
+              <a:rPr kumimoji="1" lang="ja-JP" altLang="en-US" dirty="0"/>
+              <a:t>狙い撃ち</a:t>
+            </a:r>
+            <a:endParaRPr kumimoji="1" lang="en-US" altLang="ja-JP" dirty="0"/>
+          </a:p>
+          <a:p>
+            <a:pPr marL="0" indent="0">
+              <a:buNone/>
+            </a:pPr>
+            <a:r>
+              <a:rPr lang="ja-JP" altLang="en-US" dirty="0"/>
+              <a:t>・</a:t>
+            </a:r>
+            <a:r>
+              <a:rPr lang="en-US" altLang="ja-JP" dirty="0"/>
+              <a:t>40-50</a:t>
+            </a:r>
+            <a:r>
+              <a:rPr lang="ja-JP" altLang="en-US" dirty="0"/>
+              <a:t>世代に刺さるとうれしい</a:t>
+            </a:r>
+            <a:endParaRPr lang="en-US" altLang="ja-JP" dirty="0"/>
+          </a:p>
+          <a:p>
+            <a:pPr marL="0" indent="0">
+              <a:buNone/>
+            </a:pPr>
+            <a:endParaRPr kumimoji="1" lang="en-US" altLang="ja-JP" dirty="0"/>
+          </a:p>
+          <a:p>
+            <a:pPr marL="0" indent="0">
+              <a:buNone/>
+            </a:pPr>
+            <a:r>
+              <a:rPr lang="ja-JP" altLang="en-US" dirty="0"/>
+              <a:t>コンセプト</a:t>
+            </a:r>
+            <a:endParaRPr lang="en-US" altLang="ja-JP" dirty="0"/>
+          </a:p>
+          <a:p>
+            <a:pPr marL="0" indent="0">
+              <a:buNone/>
+            </a:pPr>
+            <a:r>
+              <a:rPr kumimoji="1" lang="ja-JP" altLang="en-US" dirty="0"/>
+              <a:t>・デビルワールドの正統進化</a:t>
+            </a:r>
+            <a:endParaRPr kumimoji="1" lang="en-US" altLang="ja-JP" dirty="0"/>
+          </a:p>
+        </p:txBody>
+      </p:sp>
+    </p:spTree>
+    <p:extLst>
+      <p:ext uri="{BB962C8B-B14F-4D97-AF65-F5344CB8AC3E}">
+        <p14:creationId xmlns:p14="http://schemas.microsoft.com/office/powerpoint/2010/main" val="127015273"/>
+      </p:ext>
+    </p:extLst>
+  </p:cSld>
+  <p:clrMapOvr>
+    <a:masterClrMapping/>
+  </p:clrMapOvr>
+</p:sld>
+</file>
+
+<file path=ppt/slides/slide3.xml><?xml version="1.0" encoding="utf-8"?>
+<p:sld xmlns:a="http://schemas.openxmlformats.org/drawingml/2006/main" xmlns:r="http://schemas.openxmlformats.org/officeDocument/2006/relationships" xmlns:p="http://schemas.openxmlformats.org/presentationml/2006/main">
+  <p:cSld>
+    <p:spTree>
+      <p:nvGrpSpPr>
+        <p:cNvPr id="1" name=""/>
+        <p:cNvGrpSpPr/>
+        <p:nvPr/>
+      </p:nvGrpSpPr>
+      <p:grpSpPr>
+        <a:xfrm>
+          <a:off x="0" y="0"/>
+          <a:ext cx="0" cy="0"/>
+          <a:chOff x="0" y="0"/>
+          <a:chExt cx="0" cy="0"/>
+        </a:xfrm>
+      </p:grpSpPr>
+      <p:sp>
+        <p:nvSpPr>
+          <p:cNvPr id="2" name="タイトル 1">
+            <a:extLst>
+              <a:ext uri="{FF2B5EF4-FFF2-40B4-BE49-F238E27FC236}">
+                <a16:creationId xmlns:a16="http://schemas.microsoft.com/office/drawing/2014/main" id="{C1753693-7A69-4370-9BC3-5EE1AAF34847}"/>
+              </a:ext>
+            </a:extLst>
+          </p:cNvPr>
+          <p:cNvSpPr>
+            <a:spLocks noGrp="1"/>
+          </p:cNvSpPr>
+          <p:nvPr>
+            <p:ph type="title"/>
+          </p:nvPr>
+        </p:nvSpPr>
+        <p:spPr/>
+        <p:txBody>
+          <a:bodyPr/>
+          <a:lstStyle/>
+          <a:p>
+            <a:r>
+              <a:rPr lang="ja-JP" altLang="en-US" dirty="0"/>
+              <a:t>ゲームシステム</a:t>
+            </a:r>
+            <a:endParaRPr kumimoji="1" lang="ja-JP" altLang="en-US" dirty="0"/>
+          </a:p>
+        </p:txBody>
+      </p:sp>
+      <p:sp>
+        <p:nvSpPr>
+          <p:cNvPr id="3" name="コンテンツ プレースホルダー 2">
+            <a:extLst>
+              <a:ext uri="{FF2B5EF4-FFF2-40B4-BE49-F238E27FC236}">
+                <a16:creationId xmlns:a16="http://schemas.microsoft.com/office/drawing/2014/main" id="{59D67CCF-7A10-44A4-8E01-5111346F4A35}"/>
+              </a:ext>
+            </a:extLst>
+          </p:cNvPr>
+          <p:cNvSpPr>
+            <a:spLocks noGrp="1"/>
+          </p:cNvSpPr>
+          <p:nvPr>
+            <p:ph idx="1"/>
+          </p:nvPr>
+        </p:nvSpPr>
+        <p:spPr>
+          <a:xfrm>
+            <a:off x="838200" y="1825625"/>
+            <a:ext cx="5257800" cy="4351338"/>
+          </a:xfrm>
+        </p:spPr>
+        <p:txBody>
+          <a:bodyPr/>
+          <a:lstStyle/>
+          <a:p>
+            <a:pPr marL="0" indent="0">
+              <a:buNone/>
+            </a:pPr>
+            <a:r>
+              <a:rPr lang="ja-JP" altLang="en-US" dirty="0"/>
+              <a:t>デビルワールド再現</a:t>
+            </a:r>
+            <a:endParaRPr lang="en-US" altLang="ja-JP" dirty="0"/>
+          </a:p>
+          <a:p>
+            <a:pPr marL="0" indent="0">
+              <a:buNone/>
+            </a:pPr>
+            <a:r>
+              <a:rPr kumimoji="1" lang="ja-JP" altLang="en-US" dirty="0"/>
+              <a:t>・強制画面スクロール</a:t>
+            </a:r>
+            <a:endParaRPr kumimoji="1" lang="en-US" altLang="ja-JP" dirty="0"/>
+          </a:p>
+          <a:p>
+            <a:pPr marL="0" indent="0">
+              <a:buNone/>
+            </a:pPr>
+            <a:r>
+              <a:rPr lang="ja-JP" altLang="en-US" dirty="0"/>
+              <a:t>・アイテム収集</a:t>
+            </a:r>
+            <a:endParaRPr lang="en-US" altLang="ja-JP" dirty="0"/>
+          </a:p>
+          <a:p>
+            <a:pPr marL="0" indent="0">
+              <a:buNone/>
+            </a:pPr>
+            <a:r>
+              <a:rPr kumimoji="1" lang="ja-JP" altLang="en-US" dirty="0"/>
+              <a:t>・アイテム運搬</a:t>
+            </a:r>
+            <a:endParaRPr kumimoji="1" lang="en-US" altLang="ja-JP" dirty="0"/>
+          </a:p>
+        </p:txBody>
+      </p:sp>
+      <p:sp>
+        <p:nvSpPr>
+          <p:cNvPr id="4" name="コンテンツ プレースホルダー 2">
+            <a:extLst>
+              <a:ext uri="{FF2B5EF4-FFF2-40B4-BE49-F238E27FC236}">
+                <a16:creationId xmlns:a16="http://schemas.microsoft.com/office/drawing/2014/main" id="{CF668D9A-2A28-4A20-BE3D-511097FBE8E5}"/>
+              </a:ext>
+            </a:extLst>
+          </p:cNvPr>
+          <p:cNvSpPr txBox="1">
+            <a:spLocks/>
+          </p:cNvSpPr>
+          <p:nvPr/>
+        </p:nvSpPr>
+        <p:spPr>
+          <a:xfrm>
+            <a:off x="6096000" y="1825625"/>
+            <a:ext cx="5257800" cy="4351338"/>
+          </a:xfrm>
+          <a:prstGeom prst="rect">
+            <a:avLst/>
+          </a:prstGeom>
+        </p:spPr>
+        <p:txBody>
+          <a:bodyPr vert="horz" lIns="91440" tIns="45720" rIns="91440" bIns="45720" rtlCol="0">
+            <a:normAutofit/>
+          </a:bodyPr>
+          <a:lstStyle>
+            <a:lvl1pPr marL="228600" indent="-228600" algn="l" defTabSz="914400" rtl="0" eaLnBrk="1" latinLnBrk="0" hangingPunct="1">
+              <a:lnSpc>
+                <a:spcPct val="90000"/>
+              </a:lnSpc>
+              <a:spcBef>
+                <a:spcPts val="1000"/>
+              </a:spcBef>
+              <a:buFont typeface="Arial" panose="020B0604020202020204" pitchFamily="34" charset="0"/>
+              <a:buChar char="•"/>
+              <a:defRPr kumimoji="1" sz="2800" kern="1200">
+                <a:solidFill>
+                  <a:schemeClr val="tx1"/>
+                </a:solidFill>
+                <a:latin typeface="+mn-lt"/>
+                <a:ea typeface="+mn-ea"/>
+                <a:cs typeface="+mn-cs"/>
+              </a:defRPr>
+            </a:lvl1pPr>
+            <a:lvl2pPr marL="685800" indent="-228600" algn="l" defTabSz="914400" rtl="0" eaLnBrk="1" latinLnBrk="0" hangingPunct="1">
+              <a:lnSpc>
+                <a:spcPct val="90000"/>
+              </a:lnSpc>
+              <a:spcBef>
+                <a:spcPts val="500"/>
+              </a:spcBef>
+              <a:buFont typeface="Arial" panose="020B0604020202020204" pitchFamily="34" charset="0"/>
+              <a:buChar char="•"/>
+              <a:defRPr kumimoji="1" sz="2400" kern="1200">
+                <a:solidFill>
+                  <a:schemeClr val="tx1"/>
+                </a:solidFill>
+                <a:latin typeface="+mn-lt"/>
+                <a:ea typeface="+mn-ea"/>
+                <a:cs typeface="+mn-cs"/>
+              </a:defRPr>
+            </a:lvl2pPr>
+            <a:lvl3pPr marL="1143000" indent="-228600" algn="l" defTabSz="914400" rtl="0" eaLnBrk="1" latinLnBrk="0" hangingPunct="1">
+              <a:lnSpc>
+                <a:spcPct val="90000"/>
+              </a:lnSpc>
+              <a:spcBef>
+                <a:spcPts val="500"/>
+              </a:spcBef>
+              <a:buFont typeface="Arial" panose="020B0604020202020204" pitchFamily="34" charset="0"/>
+              <a:buChar char="•"/>
+              <a:defRPr kumimoji="1" sz="2000" kern="1200">
+                <a:solidFill>
+                  <a:schemeClr val="tx1"/>
+                </a:solidFill>
+                <a:latin typeface="+mn-lt"/>
+                <a:ea typeface="+mn-ea"/>
+                <a:cs typeface="+mn-cs"/>
+              </a:defRPr>
+            </a:lvl3pPr>
+            <a:lvl4pPr marL="1600200" indent="-228600" algn="l" defTabSz="914400" rtl="0" eaLnBrk="1" latinLnBrk="0" hangingPunct="1">
+              <a:lnSpc>
+                <a:spcPct val="90000"/>
+              </a:lnSpc>
+              <a:spcBef>
+                <a:spcPts val="500"/>
+              </a:spcBef>
+              <a:buFont typeface="Arial" panose="020B0604020202020204" pitchFamily="34" charset="0"/>
+              <a:buChar char="•"/>
+              <a:defRPr kumimoji="1" sz="1800" kern="1200">
+                <a:solidFill>
+                  <a:schemeClr val="tx1"/>
+                </a:solidFill>
+                <a:latin typeface="+mn-lt"/>
+                <a:ea typeface="+mn-ea"/>
+                <a:cs typeface="+mn-cs"/>
+              </a:defRPr>
+            </a:lvl4pPr>
+            <a:lvl5pPr marL="2057400" indent="-228600" algn="l" defTabSz="914400" rtl="0" eaLnBrk="1" latinLnBrk="0" hangingPunct="1">
+              <a:lnSpc>
+                <a:spcPct val="90000"/>
+              </a:lnSpc>
+              <a:spcBef>
+                <a:spcPts val="500"/>
+              </a:spcBef>
+              <a:buFont typeface="Arial" panose="020B0604020202020204" pitchFamily="34" charset="0"/>
+              <a:buChar char="•"/>
+              <a:defRPr kumimoji="1" sz="1800" kern="1200">
+                <a:solidFill>
+                  <a:schemeClr val="tx1"/>
+                </a:solidFill>
+                <a:latin typeface="+mn-lt"/>
+                <a:ea typeface="+mn-ea"/>
+                <a:cs typeface="+mn-cs"/>
+              </a:defRPr>
+            </a:lvl5pPr>
+            <a:lvl6pPr marL="2514600" indent="-228600" algn="l" defTabSz="914400" rtl="0" eaLnBrk="1" latinLnBrk="0" hangingPunct="1">
+              <a:lnSpc>
+                <a:spcPct val="90000"/>
+              </a:lnSpc>
+              <a:spcBef>
+                <a:spcPts val="500"/>
+              </a:spcBef>
+              <a:buFont typeface="Arial" panose="020B0604020202020204" pitchFamily="34" charset="0"/>
+              <a:buChar char="•"/>
+              <a:defRPr kumimoji="1" sz="1800" kern="1200">
+                <a:solidFill>
+                  <a:schemeClr val="tx1"/>
+                </a:solidFill>
+                <a:latin typeface="+mn-lt"/>
+                <a:ea typeface="+mn-ea"/>
+                <a:cs typeface="+mn-cs"/>
+              </a:defRPr>
+            </a:lvl6pPr>
+            <a:lvl7pPr marL="2971800" indent="-228600" algn="l" defTabSz="914400" rtl="0" eaLnBrk="1" latinLnBrk="0" hangingPunct="1">
+              <a:lnSpc>
+                <a:spcPct val="90000"/>
+              </a:lnSpc>
+              <a:spcBef>
+                <a:spcPts val="500"/>
+              </a:spcBef>
+              <a:buFont typeface="Arial" panose="020B0604020202020204" pitchFamily="34" charset="0"/>
+              <a:buChar char="•"/>
+              <a:defRPr kumimoji="1" sz="1800" kern="1200">
+                <a:solidFill>
+                  <a:schemeClr val="tx1"/>
+                </a:solidFill>
+                <a:latin typeface="+mn-lt"/>
+                <a:ea typeface="+mn-ea"/>
+                <a:cs typeface="+mn-cs"/>
+              </a:defRPr>
+            </a:lvl7pPr>
+            <a:lvl8pPr marL="3429000" indent="-228600" algn="l" defTabSz="914400" rtl="0" eaLnBrk="1" latinLnBrk="0" hangingPunct="1">
+              <a:lnSpc>
+                <a:spcPct val="90000"/>
+              </a:lnSpc>
+              <a:spcBef>
+                <a:spcPts val="500"/>
+              </a:spcBef>
+              <a:buFont typeface="Arial" panose="020B0604020202020204" pitchFamily="34" charset="0"/>
+              <a:buChar char="•"/>
+              <a:defRPr kumimoji="1" sz="1800" kern="1200">
+                <a:solidFill>
+                  <a:schemeClr val="tx1"/>
+                </a:solidFill>
+                <a:latin typeface="+mn-lt"/>
+                <a:ea typeface="+mn-ea"/>
+                <a:cs typeface="+mn-cs"/>
+              </a:defRPr>
+            </a:lvl8pPr>
+            <a:lvl9pPr marL="3886200" indent="-228600" algn="l" defTabSz="914400" rtl="0" eaLnBrk="1" latinLnBrk="0" hangingPunct="1">
+              <a:lnSpc>
+                <a:spcPct val="90000"/>
+              </a:lnSpc>
+              <a:spcBef>
+                <a:spcPts val="500"/>
+              </a:spcBef>
+              <a:buFont typeface="Arial" panose="020B0604020202020204" pitchFamily="34" charset="0"/>
+              <a:buChar char="•"/>
+              <a:defRPr kumimoji="1" sz="1800" kern="1200">
+                <a:solidFill>
+                  <a:schemeClr val="tx1"/>
+                </a:solidFill>
+                <a:latin typeface="+mn-lt"/>
+                <a:ea typeface="+mn-ea"/>
+                <a:cs typeface="+mn-cs"/>
+              </a:defRPr>
+            </a:lvl9pPr>
+          </a:lstStyle>
+          <a:p>
+            <a:pPr marL="0" indent="0">
+              <a:buFont typeface="Arial" panose="020B0604020202020204" pitchFamily="34" charset="0"/>
+              <a:buNone/>
+            </a:pPr>
+            <a:r>
+              <a:rPr lang="ja-JP" altLang="en-US" dirty="0"/>
+              <a:t>新しいリメイク要素</a:t>
+            </a:r>
+            <a:endParaRPr lang="en-US" altLang="ja-JP" dirty="0"/>
+          </a:p>
+          <a:p>
+            <a:pPr marL="0" indent="0">
+              <a:buFont typeface="Arial" panose="020B0604020202020204" pitchFamily="34" charset="0"/>
+              <a:buNone/>
+            </a:pPr>
+            <a:r>
+              <a:rPr lang="ja-JP" altLang="en-US" dirty="0"/>
+              <a:t>・マップの傾き</a:t>
+            </a:r>
+            <a:endParaRPr lang="en-US" altLang="ja-JP" dirty="0"/>
+          </a:p>
+          <a:p>
+            <a:pPr marL="0" indent="0">
+              <a:buFont typeface="Arial" panose="020B0604020202020204" pitchFamily="34" charset="0"/>
+              <a:buNone/>
+            </a:pPr>
+            <a:r>
+              <a:rPr lang="ja-JP" altLang="en-US" dirty="0"/>
+              <a:t>・傾きで生まれる移動速度変動</a:t>
+            </a:r>
+            <a:endParaRPr lang="en-US" altLang="ja-JP" dirty="0"/>
+          </a:p>
+          <a:p>
+            <a:pPr marL="0" indent="0">
+              <a:buFont typeface="Arial" panose="020B0604020202020204" pitchFamily="34" charset="0"/>
+              <a:buNone/>
+            </a:pPr>
+            <a:r>
+              <a:rPr lang="ja-JP" altLang="en-US" dirty="0"/>
+              <a:t>・傾きで生まれるマップの変化</a:t>
+            </a:r>
+            <a:endParaRPr lang="en-US" altLang="ja-JP" dirty="0"/>
+          </a:p>
+          <a:p>
+            <a:pPr marL="0" indent="0">
+              <a:buFont typeface="Arial" panose="020B0604020202020204" pitchFamily="34" charset="0"/>
+              <a:buNone/>
+            </a:pPr>
+            <a:endParaRPr lang="en-US" altLang="ja-JP" dirty="0"/>
+          </a:p>
+        </p:txBody>
+      </p:sp>
+    </p:spTree>
+    <p:extLst>
+      <p:ext uri="{BB962C8B-B14F-4D97-AF65-F5344CB8AC3E}">
+        <p14:creationId xmlns:p14="http://schemas.microsoft.com/office/powerpoint/2010/main" val="550668178"/>
       </p:ext>
     </p:extLst>
   </p:cSld>

--- a/03_pranning/00_本企画.pptx
+++ b/03_pranning/00_本企画.pptx
@@ -7,7 +7,9 @@
   <p:sldIdLst>
     <p:sldId id="256" r:id="rId2"/>
     <p:sldId id="258" r:id="rId3"/>
-    <p:sldId id="257" r:id="rId4"/>
+    <p:sldId id="259" r:id="rId4"/>
+    <p:sldId id="257" r:id="rId5"/>
+    <p:sldId id="260" r:id="rId6"/>
   </p:sldIdLst>
   <p:sldSz cx="12192000" cy="6858000"/>
   <p:notesSz cx="6858000" cy="9144000"/>
@@ -3864,6 +3866,132 @@
           <p:cNvPr id="2" name="タイトル 1">
             <a:extLst>
               <a:ext uri="{FF2B5EF4-FFF2-40B4-BE49-F238E27FC236}">
+                <a16:creationId xmlns:a16="http://schemas.microsoft.com/office/drawing/2014/main" id="{BC2B0A8B-F579-471A-AE43-1A74D42C848A}"/>
+              </a:ext>
+            </a:extLst>
+          </p:cNvPr>
+          <p:cNvSpPr>
+            <a:spLocks noGrp="1"/>
+          </p:cNvSpPr>
+          <p:nvPr>
+            <p:ph type="title"/>
+          </p:nvPr>
+        </p:nvSpPr>
+        <p:spPr/>
+        <p:txBody>
+          <a:bodyPr/>
+          <a:lstStyle/>
+          <a:p>
+            <a:r>
+              <a:rPr kumimoji="1" lang="ja-JP" altLang="en-US" dirty="0"/>
+              <a:t>ゲーム進行</a:t>
+            </a:r>
+          </a:p>
+        </p:txBody>
+      </p:sp>
+      <p:sp>
+        <p:nvSpPr>
+          <p:cNvPr id="5" name="コンテンツ プレースホルダー 4">
+            <a:extLst>
+              <a:ext uri="{FF2B5EF4-FFF2-40B4-BE49-F238E27FC236}">
+                <a16:creationId xmlns:a16="http://schemas.microsoft.com/office/drawing/2014/main" id="{34B9BB91-2F2D-49F8-BF0B-9AAF07ED4846}"/>
+              </a:ext>
+            </a:extLst>
+          </p:cNvPr>
+          <p:cNvSpPr>
+            <a:spLocks noGrp="1"/>
+          </p:cNvSpPr>
+          <p:nvPr>
+            <p:ph idx="1"/>
+          </p:nvPr>
+        </p:nvSpPr>
+        <p:spPr/>
+        <p:txBody>
+          <a:bodyPr/>
+          <a:lstStyle/>
+          <a:p>
+            <a:pPr marL="0" indent="0">
+              <a:buNone/>
+            </a:pPr>
+            <a:r>
+              <a:rPr lang="ja-JP" altLang="en-US" dirty="0"/>
+              <a:t>・第一フェーズ</a:t>
+            </a:r>
+            <a:endParaRPr lang="en-US" altLang="ja-JP" dirty="0"/>
+          </a:p>
+          <a:p>
+            <a:pPr marL="0" indent="0">
+              <a:buNone/>
+            </a:pPr>
+            <a:r>
+              <a:rPr lang="ja-JP" altLang="en-US" dirty="0"/>
+              <a:t>マップ中に散らばっている「ボワボワ」を収集。すべて集めると第二フェーズに移行する。</a:t>
+            </a:r>
+            <a:endParaRPr lang="en-US" altLang="ja-JP" dirty="0"/>
+          </a:p>
+          <a:p>
+            <a:pPr marL="0" indent="0">
+              <a:buNone/>
+            </a:pPr>
+            <a:endParaRPr lang="en-US" altLang="ja-JP" dirty="0"/>
+          </a:p>
+          <a:p>
+            <a:pPr marL="0" indent="0">
+              <a:buNone/>
+            </a:pPr>
+            <a:r>
+              <a:rPr lang="ja-JP" altLang="en-US" dirty="0"/>
+              <a:t>・第二フェーズ</a:t>
+            </a:r>
+            <a:endParaRPr lang="en-US" altLang="ja-JP" dirty="0"/>
+          </a:p>
+          <a:p>
+            <a:pPr marL="0" indent="0">
+              <a:buNone/>
+            </a:pPr>
+            <a:r>
+              <a:rPr lang="ja-JP" altLang="en-US" dirty="0"/>
+              <a:t>マップ端に出現する４つの「バイブル」をマップ中央の「デビルホール」に運搬する。すべて運搬しきるとゲームクリア。</a:t>
+            </a:r>
+            <a:endParaRPr lang="en-US" altLang="ja-JP" dirty="0"/>
+          </a:p>
+        </p:txBody>
+      </p:sp>
+    </p:spTree>
+    <p:extLst>
+      <p:ext uri="{BB962C8B-B14F-4D97-AF65-F5344CB8AC3E}">
+        <p14:creationId xmlns:p14="http://schemas.microsoft.com/office/powerpoint/2010/main" val="45539842"/>
+      </p:ext>
+    </p:extLst>
+  </p:cSld>
+  <p:clrMapOvr>
+    <a:masterClrMapping/>
+  </p:clrMapOvr>
+</p:sld>
+</file>
+
+<file path=ppt/slides/slide4.xml><?xml version="1.0" encoding="utf-8"?>
+<p:sld xmlns:a="http://schemas.openxmlformats.org/drawingml/2006/main" xmlns:r="http://schemas.openxmlformats.org/officeDocument/2006/relationships" xmlns:p="http://schemas.openxmlformats.org/presentationml/2006/main">
+  <p:cSld>
+    <p:spTree>
+      <p:nvGrpSpPr>
+        <p:cNvPr id="1" name=""/>
+        <p:cNvGrpSpPr/>
+        <p:nvPr/>
+      </p:nvGrpSpPr>
+      <p:grpSpPr>
+        <a:xfrm>
+          <a:off x="0" y="0"/>
+          <a:ext cx="0" cy="0"/>
+          <a:chOff x="0" y="0"/>
+          <a:chExt cx="0" cy="0"/>
+        </a:xfrm>
+      </p:grpSpPr>
+      <p:sp>
+        <p:nvSpPr>
+          <p:cNvPr id="2" name="タイトル 1">
+            <a:extLst>
+              <a:ext uri="{FF2B5EF4-FFF2-40B4-BE49-F238E27FC236}">
                 <a16:creationId xmlns:a16="http://schemas.microsoft.com/office/drawing/2014/main" id="{C1753693-7A69-4370-9BC3-5EE1AAF34847}"/>
               </a:ext>
             </a:extLst>
@@ -4203,6 +4331,118 @@
     <p:extLst>
       <p:ext uri="{BB962C8B-B14F-4D97-AF65-F5344CB8AC3E}">
         <p14:creationId xmlns:p14="http://schemas.microsoft.com/office/powerpoint/2010/main" val="550668178"/>
+      </p:ext>
+    </p:extLst>
+  </p:cSld>
+  <p:clrMapOvr>
+    <a:masterClrMapping/>
+  </p:clrMapOvr>
+</p:sld>
+</file>
+
+<file path=ppt/slides/slide5.xml><?xml version="1.0" encoding="utf-8"?>
+<p:sld xmlns:a="http://schemas.openxmlformats.org/drawingml/2006/main" xmlns:r="http://schemas.openxmlformats.org/officeDocument/2006/relationships" xmlns:p="http://schemas.openxmlformats.org/presentationml/2006/main">
+  <p:cSld>
+    <p:spTree>
+      <p:nvGrpSpPr>
+        <p:cNvPr id="1" name=""/>
+        <p:cNvGrpSpPr/>
+        <p:nvPr/>
+      </p:nvGrpSpPr>
+      <p:grpSpPr>
+        <a:xfrm>
+          <a:off x="0" y="0"/>
+          <a:ext cx="0" cy="0"/>
+          <a:chOff x="0" y="0"/>
+          <a:chExt cx="0" cy="0"/>
+        </a:xfrm>
+      </p:grpSpPr>
+      <p:sp>
+        <p:nvSpPr>
+          <p:cNvPr id="2" name="タイトル 1">
+            <a:extLst>
+              <a:ext uri="{FF2B5EF4-FFF2-40B4-BE49-F238E27FC236}">
+                <a16:creationId xmlns:a16="http://schemas.microsoft.com/office/drawing/2014/main" id="{595DAA84-99AA-4FCC-BC35-80FF89EF6439}"/>
+              </a:ext>
+            </a:extLst>
+          </p:cNvPr>
+          <p:cNvSpPr>
+            <a:spLocks noGrp="1"/>
+          </p:cNvSpPr>
+          <p:nvPr>
+            <p:ph type="title"/>
+          </p:nvPr>
+        </p:nvSpPr>
+        <p:spPr/>
+        <p:txBody>
+          <a:bodyPr/>
+          <a:lstStyle/>
+          <a:p>
+            <a:r>
+              <a:rPr lang="ja-JP" altLang="en-US" dirty="0"/>
+              <a:t>リメイク元から変更された点</a:t>
+            </a:r>
+            <a:endParaRPr kumimoji="1" lang="ja-JP" altLang="en-US" dirty="0"/>
+          </a:p>
+        </p:txBody>
+      </p:sp>
+      <p:sp>
+        <p:nvSpPr>
+          <p:cNvPr id="3" name="コンテンツ プレースホルダー 2">
+            <a:extLst>
+              <a:ext uri="{FF2B5EF4-FFF2-40B4-BE49-F238E27FC236}">
+                <a16:creationId xmlns:a16="http://schemas.microsoft.com/office/drawing/2014/main" id="{EA43B4CA-8D04-47E1-94AA-A77B0643D822}"/>
+              </a:ext>
+            </a:extLst>
+          </p:cNvPr>
+          <p:cNvSpPr>
+            <a:spLocks noGrp="1"/>
+          </p:cNvSpPr>
+          <p:nvPr>
+            <p:ph idx="1"/>
+          </p:nvPr>
+        </p:nvSpPr>
+        <p:spPr/>
+        <p:txBody>
+          <a:bodyPr/>
+          <a:lstStyle/>
+          <a:p>
+            <a:r>
+              <a:rPr kumimoji="1" lang="ja-JP" altLang="en-US" dirty="0"/>
+              <a:t>各種新要素の</a:t>
+            </a:r>
+            <a:r>
+              <a:rPr lang="ja-JP" altLang="en-US" dirty="0"/>
+              <a:t>追加</a:t>
+            </a:r>
+            <a:endParaRPr lang="en-US" altLang="ja-JP" dirty="0"/>
+          </a:p>
+          <a:p>
+            <a:r>
+              <a:rPr kumimoji="1" lang="ja-JP" altLang="en-US" dirty="0"/>
+              <a:t>ステージをクリアして次に進む方式ではなく難易度選択方式</a:t>
+            </a:r>
+            <a:endParaRPr kumimoji="1" lang="en-US" altLang="ja-JP" dirty="0"/>
+          </a:p>
+          <a:p>
+            <a:r>
+              <a:rPr lang="ja-JP" altLang="en-US" dirty="0"/>
+              <a:t>選択方式への変更に伴いボーナス面の削除</a:t>
+            </a:r>
+            <a:endParaRPr lang="en-US" altLang="ja-JP" dirty="0"/>
+          </a:p>
+          <a:p>
+            <a:r>
+              <a:rPr kumimoji="1" lang="ja-JP" altLang="en-US" dirty="0"/>
+              <a:t>ボーナス面の削除に伴い残機の回復を削除</a:t>
+            </a:r>
+          </a:p>
+        </p:txBody>
+      </p:sp>
+    </p:spTree>
+    <p:extLst>
+      <p:ext uri="{BB962C8B-B14F-4D97-AF65-F5344CB8AC3E}">
+        <p14:creationId xmlns:p14="http://schemas.microsoft.com/office/powerpoint/2010/main" val="3381831073"/>
       </p:ext>
     </p:extLst>
   </p:cSld>

--- a/03_pranning/00_本企画.pptx
+++ b/03_pranning/00_本企画.pptx
@@ -3640,7 +3640,17 @@
           <a:lstStyle/>
           <a:p>
             <a:r>
-              <a:rPr kumimoji="1" lang="ja-JP" altLang="en-US" dirty="0"/>
+              <a:rPr lang="ja-JP" altLang="en-US" dirty="0">
+                <a:latin typeface="HGP創英角ｺﾞｼｯｸUB" panose="020B0900000000000000" pitchFamily="50" charset="-128"/>
+                <a:ea typeface="HGP創英角ｺﾞｼｯｸUB" panose="020B0900000000000000" pitchFamily="50" charset="-128"/>
+              </a:rPr>
+              <a:t>新・</a:t>
+            </a:r>
+            <a:r>
+              <a:rPr kumimoji="1" lang="ja-JP" altLang="en-US" dirty="0">
+                <a:latin typeface="HGP創英角ｺﾞｼｯｸUB" panose="020B0900000000000000" pitchFamily="50" charset="-128"/>
+                <a:ea typeface="HGP創英角ｺﾞｼｯｸUB" panose="020B0900000000000000" pitchFamily="50" charset="-128"/>
+              </a:rPr>
               <a:t>デビルワールド</a:t>
             </a:r>
           </a:p>
@@ -3668,14 +3678,23 @@
           <a:lstStyle/>
           <a:p>
             <a:r>
-              <a:rPr kumimoji="1" lang="en-US" altLang="ja-JP" dirty="0"/>
+              <a:rPr kumimoji="1" lang="en-US" altLang="ja-JP" dirty="0">
+                <a:latin typeface="HGP創英角ｺﾞｼｯｸUB" panose="020B0900000000000000" pitchFamily="50" charset="-128"/>
+                <a:ea typeface="HGP創英角ｺﾞｼｯｸUB" panose="020B0900000000000000" pitchFamily="50" charset="-128"/>
+              </a:rPr>
               <a:t>2025</a:t>
             </a:r>
             <a:r>
-              <a:rPr kumimoji="1" lang="ja-JP" altLang="en-US" dirty="0"/>
+              <a:rPr kumimoji="1" lang="ja-JP" altLang="en-US" dirty="0">
+                <a:latin typeface="HGP創英角ｺﾞｼｯｸUB" panose="020B0900000000000000" pitchFamily="50" charset="-128"/>
+                <a:ea typeface="HGP創英角ｺﾞｼｯｸUB" panose="020B0900000000000000" pitchFamily="50" charset="-128"/>
+              </a:rPr>
               <a:t>卒業制作</a:t>
             </a:r>
-            <a:endParaRPr kumimoji="1" lang="en-US" altLang="ja-JP" dirty="0"/>
+            <a:endParaRPr kumimoji="1" lang="en-US" altLang="ja-JP" dirty="0">
+              <a:latin typeface="HGP創英角ｺﾞｼｯｸUB" panose="020B0900000000000000" pitchFamily="50" charset="-128"/>
+              <a:ea typeface="HGP創英角ｺﾞｼｯｸUB" panose="020B0900000000000000" pitchFamily="50" charset="-128"/>
+            </a:endParaRPr>
           </a:p>
         </p:txBody>
       </p:sp>
@@ -3731,7 +3750,10 @@
           <a:lstStyle/>
           <a:p>
             <a:r>
-              <a:rPr kumimoji="1" lang="ja-JP" altLang="en-US" dirty="0"/>
+              <a:rPr kumimoji="1" lang="ja-JP" altLang="en-US" dirty="0">
+                <a:latin typeface="HGP創英角ｺﾞｼｯｸUB" panose="020B0900000000000000" pitchFamily="50" charset="-128"/>
+                <a:ea typeface="HGP創英角ｺﾞｼｯｸUB" panose="020B0900000000000000" pitchFamily="50" charset="-128"/>
+              </a:rPr>
               <a:t>ターゲット・コンセプト</a:t>
             </a:r>
           </a:p>
@@ -3762,72 +3784,162 @@
               <a:buNone/>
             </a:pPr>
             <a:r>
-              <a:rPr lang="ja-JP" altLang="en-US" dirty="0"/>
+              <a:rPr lang="ja-JP" altLang="en-US" dirty="0">
+                <a:latin typeface="HGP創英角ｺﾞｼｯｸUB" panose="020B0900000000000000" pitchFamily="50" charset="-128"/>
+                <a:ea typeface="HGP創英角ｺﾞｼｯｸUB" panose="020B0900000000000000" pitchFamily="50" charset="-128"/>
+              </a:rPr>
               <a:t>ターゲット</a:t>
             </a:r>
-            <a:endParaRPr lang="en-US" altLang="ja-JP" dirty="0"/>
+            <a:endParaRPr lang="en-US" altLang="ja-JP" dirty="0">
+              <a:latin typeface="HGP創英角ｺﾞｼｯｸUB" panose="020B0900000000000000" pitchFamily="50" charset="-128"/>
+              <a:ea typeface="HGP創英角ｺﾞｼｯｸUB" panose="020B0900000000000000" pitchFamily="50" charset="-128"/>
+            </a:endParaRPr>
           </a:p>
           <a:p>
             <a:pPr marL="0" indent="0">
               <a:buNone/>
             </a:pPr>
             <a:r>
-              <a:rPr kumimoji="1" lang="ja-JP" altLang="en-US" dirty="0"/>
+              <a:rPr kumimoji="1" lang="ja-JP" altLang="en-US" dirty="0">
+                <a:latin typeface="HGP創英角ｺﾞｼｯｸUB" panose="020B0900000000000000" pitchFamily="50" charset="-128"/>
+                <a:ea typeface="HGP創英角ｺﾞｼｯｸUB" panose="020B0900000000000000" pitchFamily="50" charset="-128"/>
+              </a:rPr>
               <a:t>・</a:t>
             </a:r>
             <a:r>
-              <a:rPr kumimoji="1" lang="en-US" altLang="ja-JP" dirty="0"/>
+              <a:rPr kumimoji="1" lang="en-US" altLang="ja-JP" dirty="0">
+                <a:solidFill>
+                  <a:srgbClr val="FF0000"/>
+                </a:solidFill>
+                <a:latin typeface="HGP創英角ｺﾞｼｯｸUB" panose="020B0900000000000000" pitchFamily="50" charset="-128"/>
+                <a:ea typeface="HGP創英角ｺﾞｼｯｸUB" panose="020B0900000000000000" pitchFamily="50" charset="-128"/>
+              </a:rPr>
               <a:t>AKR</a:t>
             </a:r>
             <a:r>
-              <a:rPr kumimoji="1" lang="ja-JP" altLang="en-US" dirty="0"/>
+              <a:rPr kumimoji="1" lang="ja-JP" altLang="en-US" dirty="0">
+                <a:latin typeface="HGP創英角ｺﾞｼｯｸUB" panose="020B0900000000000000" pitchFamily="50" charset="-128"/>
+                <a:ea typeface="HGP創英角ｺﾞｼｯｸUB" panose="020B0900000000000000" pitchFamily="50" charset="-128"/>
+              </a:rPr>
               <a:t>狙い撃ち</a:t>
             </a:r>
-            <a:endParaRPr kumimoji="1" lang="en-US" altLang="ja-JP" dirty="0"/>
+            <a:endParaRPr kumimoji="1" lang="en-US" altLang="ja-JP" dirty="0">
+              <a:latin typeface="HGP創英角ｺﾞｼｯｸUB" panose="020B0900000000000000" pitchFamily="50" charset="-128"/>
+              <a:ea typeface="HGP創英角ｺﾞｼｯｸUB" panose="020B0900000000000000" pitchFamily="50" charset="-128"/>
+            </a:endParaRPr>
           </a:p>
           <a:p>
             <a:pPr marL="0" indent="0">
               <a:buNone/>
             </a:pPr>
             <a:r>
-              <a:rPr lang="ja-JP" altLang="en-US" dirty="0"/>
+              <a:rPr lang="ja-JP" altLang="en-US" dirty="0">
+                <a:latin typeface="HGP創英角ｺﾞｼｯｸUB" panose="020B0900000000000000" pitchFamily="50" charset="-128"/>
+                <a:ea typeface="HGP創英角ｺﾞｼｯｸUB" panose="020B0900000000000000" pitchFamily="50" charset="-128"/>
+              </a:rPr>
               <a:t>・</a:t>
             </a:r>
             <a:r>
-              <a:rPr lang="en-US" altLang="ja-JP" dirty="0"/>
+              <a:rPr lang="en-US" altLang="ja-JP" dirty="0">
+                <a:solidFill>
+                  <a:srgbClr val="FF0000"/>
+                </a:solidFill>
+                <a:latin typeface="HGP創英角ｺﾞｼｯｸUB" panose="020B0900000000000000" pitchFamily="50" charset="-128"/>
+                <a:ea typeface="HGP創英角ｺﾞｼｯｸUB" panose="020B0900000000000000" pitchFamily="50" charset="-128"/>
+              </a:rPr>
               <a:t>40-50</a:t>
             </a:r>
             <a:r>
-              <a:rPr lang="ja-JP" altLang="en-US" dirty="0"/>
-              <a:t>世代に刺さるとうれしい</a:t>
-            </a:r>
-            <a:endParaRPr lang="en-US" altLang="ja-JP" dirty="0"/>
+              <a:rPr lang="ja-JP" altLang="en-US" dirty="0">
+                <a:solidFill>
+                  <a:srgbClr val="FF0000"/>
+                </a:solidFill>
+                <a:latin typeface="HGP創英角ｺﾞｼｯｸUB" panose="020B0900000000000000" pitchFamily="50" charset="-128"/>
+                <a:ea typeface="HGP創英角ｺﾞｼｯｸUB" panose="020B0900000000000000" pitchFamily="50" charset="-128"/>
+              </a:rPr>
+              <a:t>世代</a:t>
+            </a:r>
+            <a:r>
+              <a:rPr lang="ja-JP" altLang="en-US" dirty="0">
+                <a:latin typeface="HGP創英角ｺﾞｼｯｸUB" panose="020B0900000000000000" pitchFamily="50" charset="-128"/>
+                <a:ea typeface="HGP創英角ｺﾞｼｯｸUB" panose="020B0900000000000000" pitchFamily="50" charset="-128"/>
+              </a:rPr>
+              <a:t>に刺さるとうれしい</a:t>
+            </a:r>
+            <a:endParaRPr lang="en-US" altLang="ja-JP" dirty="0">
+              <a:latin typeface="HGP創英角ｺﾞｼｯｸUB" panose="020B0900000000000000" pitchFamily="50" charset="-128"/>
+              <a:ea typeface="HGP創英角ｺﾞｼｯｸUB" panose="020B0900000000000000" pitchFamily="50" charset="-128"/>
+            </a:endParaRPr>
           </a:p>
           <a:p>
             <a:pPr marL="0" indent="0">
               <a:buNone/>
             </a:pPr>
-            <a:endParaRPr kumimoji="1" lang="en-US" altLang="ja-JP" dirty="0"/>
+            <a:endParaRPr kumimoji="1" lang="en-US" altLang="ja-JP" dirty="0">
+              <a:latin typeface="HGP創英角ｺﾞｼｯｸUB" panose="020B0900000000000000" pitchFamily="50" charset="-128"/>
+              <a:ea typeface="HGP創英角ｺﾞｼｯｸUB" panose="020B0900000000000000" pitchFamily="50" charset="-128"/>
+            </a:endParaRPr>
           </a:p>
           <a:p>
             <a:pPr marL="0" indent="0">
               <a:buNone/>
             </a:pPr>
             <a:r>
-              <a:rPr lang="ja-JP" altLang="en-US" dirty="0"/>
+              <a:rPr lang="ja-JP" altLang="en-US" dirty="0">
+                <a:latin typeface="HGP創英角ｺﾞｼｯｸUB" panose="020B0900000000000000" pitchFamily="50" charset="-128"/>
+                <a:ea typeface="HGP創英角ｺﾞｼｯｸUB" panose="020B0900000000000000" pitchFamily="50" charset="-128"/>
+              </a:rPr>
               <a:t>コンセプト</a:t>
             </a:r>
-            <a:endParaRPr lang="en-US" altLang="ja-JP" dirty="0"/>
+            <a:endParaRPr lang="en-US" altLang="ja-JP" dirty="0">
+              <a:latin typeface="HGP創英角ｺﾞｼｯｸUB" panose="020B0900000000000000" pitchFamily="50" charset="-128"/>
+              <a:ea typeface="HGP創英角ｺﾞｼｯｸUB" panose="020B0900000000000000" pitchFamily="50" charset="-128"/>
+            </a:endParaRPr>
           </a:p>
           <a:p>
             <a:pPr marL="0" indent="0">
               <a:buNone/>
             </a:pPr>
             <a:r>
-              <a:rPr kumimoji="1" lang="ja-JP" altLang="en-US" dirty="0"/>
-              <a:t>・デビルワールドの正統進化</a:t>
-            </a:r>
-            <a:endParaRPr kumimoji="1" lang="en-US" altLang="ja-JP" dirty="0"/>
+              <a:rPr kumimoji="1" lang="ja-JP" altLang="en-US" dirty="0">
+                <a:latin typeface="HGP創英角ｺﾞｼｯｸUB" panose="020B0900000000000000" pitchFamily="50" charset="-128"/>
+                <a:ea typeface="HGP創英角ｺﾞｼｯｸUB" panose="020B0900000000000000" pitchFamily="50" charset="-128"/>
+              </a:rPr>
+              <a:t>・デビルワールドの</a:t>
+            </a:r>
+            <a:r>
+              <a:rPr kumimoji="1" lang="ja-JP" altLang="en-US" dirty="0">
+                <a:solidFill>
+                  <a:srgbClr val="FF0000"/>
+                </a:solidFill>
+                <a:latin typeface="HGP創英角ｺﾞｼｯｸUB" panose="020B0900000000000000" pitchFamily="50" charset="-128"/>
+                <a:ea typeface="HGP創英角ｺﾞｼｯｸUB" panose="020B0900000000000000" pitchFamily="50" charset="-128"/>
+              </a:rPr>
+              <a:t>正統進化</a:t>
+            </a:r>
+            <a:endParaRPr kumimoji="1" lang="en-US" altLang="ja-JP" dirty="0">
+              <a:solidFill>
+                <a:srgbClr val="FF0000"/>
+              </a:solidFill>
+              <a:latin typeface="HGP創英角ｺﾞｼｯｸUB" panose="020B0900000000000000" pitchFamily="50" charset="-128"/>
+              <a:ea typeface="HGP創英角ｺﾞｼｯｸUB" panose="020B0900000000000000" pitchFamily="50" charset="-128"/>
+            </a:endParaRPr>
+          </a:p>
+          <a:p>
+            <a:pPr marL="0" indent="0">
+              <a:buNone/>
+            </a:pPr>
+            <a:r>
+              <a:rPr kumimoji="1" lang="ja-JP" altLang="en-US" dirty="0">
+                <a:latin typeface="HGP創英角ｺﾞｼｯｸUB" panose="020B0900000000000000" pitchFamily="50" charset="-128"/>
+                <a:ea typeface="HGP創英角ｺﾞｼｯｸUB" panose="020B0900000000000000" pitchFamily="50" charset="-128"/>
+              </a:rPr>
+              <a:t>・大きすぎる改変は極力行わない</a:t>
+            </a:r>
+            <a:endParaRPr kumimoji="1" lang="en-US" altLang="ja-JP" dirty="0">
+              <a:latin typeface="HGP創英角ｺﾞｼｯｸUB" panose="020B0900000000000000" pitchFamily="50" charset="-128"/>
+              <a:ea typeface="HGP創英角ｺﾞｼｯｸUB" panose="020B0900000000000000" pitchFamily="50" charset="-128"/>
+            </a:endParaRPr>
           </a:p>
         </p:txBody>
       </p:sp>
@@ -3883,7 +3995,10 @@
           <a:lstStyle/>
           <a:p>
             <a:r>
-              <a:rPr kumimoji="1" lang="ja-JP" altLang="en-US" dirty="0"/>
+              <a:rPr kumimoji="1" lang="ja-JP" altLang="en-US" dirty="0">
+                <a:latin typeface="HGP創英角ｺﾞｼｯｸUB" panose="020B0900000000000000" pitchFamily="50" charset="-128"/>
+                <a:ea typeface="HGP創英角ｺﾞｼｯｸUB" panose="020B0900000000000000" pitchFamily="50" charset="-128"/>
+              </a:rPr>
               <a:t>ゲーム進行</a:t>
             </a:r>
           </a:p>
@@ -3914,46 +4029,73 @@
               <a:buNone/>
             </a:pPr>
             <a:r>
-              <a:rPr lang="ja-JP" altLang="en-US" dirty="0"/>
+              <a:rPr lang="ja-JP" altLang="en-US" dirty="0">
+                <a:latin typeface="HGP創英角ｺﾞｼｯｸUB" panose="020B0900000000000000" pitchFamily="50" charset="-128"/>
+                <a:ea typeface="HGP創英角ｺﾞｼｯｸUB" panose="020B0900000000000000" pitchFamily="50" charset="-128"/>
+              </a:rPr>
               <a:t>・第一フェーズ</a:t>
             </a:r>
-            <a:endParaRPr lang="en-US" altLang="ja-JP" dirty="0"/>
+            <a:endParaRPr lang="en-US" altLang="ja-JP" dirty="0">
+              <a:latin typeface="HGP創英角ｺﾞｼｯｸUB" panose="020B0900000000000000" pitchFamily="50" charset="-128"/>
+              <a:ea typeface="HGP創英角ｺﾞｼｯｸUB" panose="020B0900000000000000" pitchFamily="50" charset="-128"/>
+            </a:endParaRPr>
           </a:p>
           <a:p>
             <a:pPr marL="0" indent="0">
               <a:buNone/>
             </a:pPr>
             <a:r>
-              <a:rPr lang="ja-JP" altLang="en-US" dirty="0"/>
+              <a:rPr lang="ja-JP" altLang="en-US" dirty="0">
+                <a:latin typeface="HGP創英角ｺﾞｼｯｸUB" panose="020B0900000000000000" pitchFamily="50" charset="-128"/>
+                <a:ea typeface="HGP創英角ｺﾞｼｯｸUB" panose="020B0900000000000000" pitchFamily="50" charset="-128"/>
+              </a:rPr>
               <a:t>マップ中に散らばっている「ボワボワ」を収集。すべて集めると第二フェーズに移行する。</a:t>
             </a:r>
-            <a:endParaRPr lang="en-US" altLang="ja-JP" dirty="0"/>
+            <a:endParaRPr lang="en-US" altLang="ja-JP" dirty="0">
+              <a:latin typeface="HGP創英角ｺﾞｼｯｸUB" panose="020B0900000000000000" pitchFamily="50" charset="-128"/>
+              <a:ea typeface="HGP創英角ｺﾞｼｯｸUB" panose="020B0900000000000000" pitchFamily="50" charset="-128"/>
+            </a:endParaRPr>
           </a:p>
           <a:p>
             <a:pPr marL="0" indent="0">
               <a:buNone/>
             </a:pPr>
-            <a:endParaRPr lang="en-US" altLang="ja-JP" dirty="0"/>
+            <a:endParaRPr lang="en-US" altLang="ja-JP" dirty="0">
+              <a:latin typeface="HGP創英角ｺﾞｼｯｸUB" panose="020B0900000000000000" pitchFamily="50" charset="-128"/>
+              <a:ea typeface="HGP創英角ｺﾞｼｯｸUB" panose="020B0900000000000000" pitchFamily="50" charset="-128"/>
+            </a:endParaRPr>
           </a:p>
           <a:p>
             <a:pPr marL="0" indent="0">
               <a:buNone/>
             </a:pPr>
             <a:r>
-              <a:rPr lang="ja-JP" altLang="en-US" dirty="0"/>
+              <a:rPr lang="ja-JP" altLang="en-US" dirty="0">
+                <a:latin typeface="HGP創英角ｺﾞｼｯｸUB" panose="020B0900000000000000" pitchFamily="50" charset="-128"/>
+                <a:ea typeface="HGP創英角ｺﾞｼｯｸUB" panose="020B0900000000000000" pitchFamily="50" charset="-128"/>
+              </a:rPr>
               <a:t>・第二フェーズ</a:t>
             </a:r>
-            <a:endParaRPr lang="en-US" altLang="ja-JP" dirty="0"/>
+            <a:endParaRPr lang="en-US" altLang="ja-JP" dirty="0">
+              <a:latin typeface="HGP創英角ｺﾞｼｯｸUB" panose="020B0900000000000000" pitchFamily="50" charset="-128"/>
+              <a:ea typeface="HGP創英角ｺﾞｼｯｸUB" panose="020B0900000000000000" pitchFamily="50" charset="-128"/>
+            </a:endParaRPr>
           </a:p>
           <a:p>
             <a:pPr marL="0" indent="0">
               <a:buNone/>
             </a:pPr>
             <a:r>
-              <a:rPr lang="ja-JP" altLang="en-US" dirty="0"/>
+              <a:rPr lang="ja-JP" altLang="en-US" dirty="0">
+                <a:latin typeface="HGP創英角ｺﾞｼｯｸUB" panose="020B0900000000000000" pitchFamily="50" charset="-128"/>
+                <a:ea typeface="HGP創英角ｺﾞｼｯｸUB" panose="020B0900000000000000" pitchFamily="50" charset="-128"/>
+              </a:rPr>
               <a:t>マップ端に出現する４つの「バイブル」をマップ中央の「デビルホール」に運搬する。すべて運搬しきるとゲームクリア。</a:t>
             </a:r>
-            <a:endParaRPr lang="en-US" altLang="ja-JP" dirty="0"/>
+            <a:endParaRPr lang="en-US" altLang="ja-JP" dirty="0">
+              <a:latin typeface="HGP創英角ｺﾞｼｯｸUB" panose="020B0900000000000000" pitchFamily="50" charset="-128"/>
+              <a:ea typeface="HGP創英角ｺﾞｼｯｸUB" panose="020B0900000000000000" pitchFamily="50" charset="-128"/>
+            </a:endParaRPr>
           </a:p>
         </p:txBody>
       </p:sp>
@@ -4009,19 +4151,21 @@
           <a:lstStyle/>
           <a:p>
             <a:r>
-              <a:rPr lang="ja-JP" altLang="en-US" dirty="0"/>
-              <a:t>ゲームシステム</a:t>
-            </a:r>
-            <a:endParaRPr kumimoji="1" lang="ja-JP" altLang="en-US" dirty="0"/>
-          </a:p>
-        </p:txBody>
-      </p:sp>
-      <p:sp>
-        <p:nvSpPr>
-          <p:cNvPr id="3" name="コンテンツ プレースホルダー 2">
-            <a:extLst>
-              <a:ext uri="{FF2B5EF4-FFF2-40B4-BE49-F238E27FC236}">
-                <a16:creationId xmlns:a16="http://schemas.microsoft.com/office/drawing/2014/main" id="{59D67CCF-7A10-44A4-8E01-5111346F4A35}"/>
+              <a:rPr kumimoji="1" lang="ja-JP" altLang="en-US" dirty="0">
+                <a:latin typeface="HGP創英角ｺﾞｼｯｸUB" panose="020B0900000000000000" pitchFamily="50" charset="-128"/>
+                <a:ea typeface="HGP創英角ｺﾞｼｯｸUB" panose="020B0900000000000000" pitchFamily="50" charset="-128"/>
+              </a:rPr>
+              <a:t>新要素</a:t>
+            </a:r>
+          </a:p>
+        </p:txBody>
+      </p:sp>
+      <p:sp>
+        <p:nvSpPr>
+          <p:cNvPr id="9" name="コンテンツ プレースホルダー 8">
+            <a:extLst>
+              <a:ext uri="{FF2B5EF4-FFF2-40B4-BE49-F238E27FC236}">
+                <a16:creationId xmlns:a16="http://schemas.microsoft.com/office/drawing/2014/main" id="{9B92E57E-48E2-4D93-81EB-6F4887DA220F}"/>
               </a:ext>
             </a:extLst>
           </p:cNvPr>
@@ -4032,298 +4176,159 @@
             <p:ph idx="1"/>
           </p:nvPr>
         </p:nvSpPr>
-        <p:spPr>
-          <a:xfrm>
-            <a:off x="838200" y="1825625"/>
-            <a:ext cx="5257800" cy="4351338"/>
-          </a:xfrm>
-        </p:spPr>
-        <p:txBody>
-          <a:bodyPr/>
-          <a:lstStyle/>
-          <a:p>
-            <a:pPr marL="0" indent="0">
-              <a:buNone/>
-            </a:pPr>
-            <a:r>
-              <a:rPr lang="ja-JP" altLang="en-US" dirty="0"/>
-              <a:t>デビルワールド再現</a:t>
-            </a:r>
-            <a:endParaRPr lang="en-US" altLang="ja-JP" dirty="0"/>
-          </a:p>
-          <a:p>
-            <a:pPr marL="0" indent="0">
-              <a:buNone/>
-            </a:pPr>
-            <a:r>
-              <a:rPr kumimoji="1" lang="ja-JP" altLang="en-US" dirty="0"/>
-              <a:t>・強制画面スクロール</a:t>
-            </a:r>
-            <a:endParaRPr kumimoji="1" lang="en-US" altLang="ja-JP" dirty="0"/>
-          </a:p>
-          <a:p>
-            <a:pPr marL="0" indent="0">
-              <a:buNone/>
-            </a:pPr>
-            <a:r>
-              <a:rPr lang="ja-JP" altLang="en-US" dirty="0"/>
-              <a:t>・アイテム収集</a:t>
-            </a:r>
-            <a:endParaRPr lang="en-US" altLang="ja-JP" dirty="0"/>
-          </a:p>
-          <a:p>
-            <a:pPr marL="0" indent="0">
-              <a:buNone/>
-            </a:pPr>
-            <a:r>
-              <a:rPr kumimoji="1" lang="ja-JP" altLang="en-US" dirty="0"/>
-              <a:t>・アイテム運搬</a:t>
-            </a:r>
-            <a:endParaRPr kumimoji="1" lang="en-US" altLang="ja-JP" dirty="0"/>
-          </a:p>
-        </p:txBody>
-      </p:sp>
-      <p:sp>
-        <p:nvSpPr>
-          <p:cNvPr id="4" name="コンテンツ プレースホルダー 2">
-            <a:extLst>
-              <a:ext uri="{FF2B5EF4-FFF2-40B4-BE49-F238E27FC236}">
-                <a16:creationId xmlns:a16="http://schemas.microsoft.com/office/drawing/2014/main" id="{CF668D9A-2A28-4A20-BE3D-511097FBE8E5}"/>
-              </a:ext>
-            </a:extLst>
-          </p:cNvPr>
-          <p:cNvSpPr txBox="1">
-            <a:spLocks/>
-          </p:cNvSpPr>
-          <p:nvPr/>
-        </p:nvSpPr>
-        <p:spPr>
-          <a:xfrm>
-            <a:off x="6096000" y="1825625"/>
-            <a:ext cx="5257800" cy="4351338"/>
-          </a:xfrm>
-          <a:prstGeom prst="rect">
-            <a:avLst/>
-          </a:prstGeom>
-        </p:spPr>
-        <p:txBody>
-          <a:bodyPr vert="horz" lIns="91440" tIns="45720" rIns="91440" bIns="45720" rtlCol="0">
-            <a:normAutofit/>
-          </a:bodyPr>
-          <a:lstStyle>
-            <a:lvl1pPr marL="228600" indent="-228600" algn="l" defTabSz="914400" rtl="0" eaLnBrk="1" latinLnBrk="0" hangingPunct="1">
-              <a:lnSpc>
-                <a:spcPct val="90000"/>
-              </a:lnSpc>
-              <a:spcBef>
-                <a:spcPts val="1000"/>
-              </a:spcBef>
-              <a:buFont typeface="Arial" panose="020B0604020202020204" pitchFamily="34" charset="0"/>
-              <a:buChar char="•"/>
-              <a:defRPr kumimoji="1" sz="2800" kern="1200">
+        <p:spPr/>
+        <p:txBody>
+          <a:bodyPr/>
+          <a:lstStyle/>
+          <a:p>
+            <a:r>
+              <a:rPr lang="ja-JP" altLang="en-US" dirty="0">
+                <a:latin typeface="HGP創英角ｺﾞｼｯｸUB" panose="020B0900000000000000" pitchFamily="50" charset="-128"/>
+                <a:ea typeface="HGP創英角ｺﾞｼｯｸUB" panose="020B0900000000000000" pitchFamily="50" charset="-128"/>
+              </a:rPr>
+              <a:t>マップの</a:t>
+            </a:r>
+            <a:r>
+              <a:rPr lang="ja-JP" altLang="en-US" dirty="0">
                 <a:solidFill>
-                  <a:schemeClr val="tx1"/>
+                  <a:srgbClr val="FF0000"/>
                 </a:solidFill>
-                <a:latin typeface="+mn-lt"/>
-                <a:ea typeface="+mn-ea"/>
-                <a:cs typeface="+mn-cs"/>
-              </a:defRPr>
-            </a:lvl1pPr>
-            <a:lvl2pPr marL="685800" indent="-228600" algn="l" defTabSz="914400" rtl="0" eaLnBrk="1" latinLnBrk="0" hangingPunct="1">
-              <a:lnSpc>
-                <a:spcPct val="90000"/>
-              </a:lnSpc>
-              <a:spcBef>
-                <a:spcPts val="500"/>
-              </a:spcBef>
-              <a:buFont typeface="Arial" panose="020B0604020202020204" pitchFamily="34" charset="0"/>
-              <a:buChar char="•"/>
-              <a:defRPr kumimoji="1" sz="2400" kern="1200">
+                <a:latin typeface="HGP創英角ｺﾞｼｯｸUB" panose="020B0900000000000000" pitchFamily="50" charset="-128"/>
+                <a:ea typeface="HGP創英角ｺﾞｼｯｸUB" panose="020B0900000000000000" pitchFamily="50" charset="-128"/>
+              </a:rPr>
+              <a:t>傾き</a:t>
+            </a:r>
+            <a:endParaRPr lang="en-US" altLang="ja-JP" dirty="0">
+              <a:solidFill>
+                <a:srgbClr val="FF0000"/>
+              </a:solidFill>
+              <a:latin typeface="HGP創英角ｺﾞｼｯｸUB" panose="020B0900000000000000" pitchFamily="50" charset="-128"/>
+              <a:ea typeface="HGP創英角ｺﾞｼｯｸUB" panose="020B0900000000000000" pitchFamily="50" charset="-128"/>
+            </a:endParaRPr>
+          </a:p>
+          <a:p>
+            <a:r>
+              <a:rPr lang="ja-JP" altLang="en-US" dirty="0">
+                <a:latin typeface="HGP創英角ｺﾞｼｯｸUB" panose="020B0900000000000000" pitchFamily="50" charset="-128"/>
+                <a:ea typeface="HGP創英角ｺﾞｼｯｸUB" panose="020B0900000000000000" pitchFamily="50" charset="-128"/>
+              </a:rPr>
+              <a:t>傾きによって</a:t>
+            </a:r>
+            <a:r>
+              <a:rPr lang="ja-JP" altLang="en-US" dirty="0">
                 <a:solidFill>
-                  <a:schemeClr val="tx1"/>
+                  <a:srgbClr val="FF0000"/>
                 </a:solidFill>
-                <a:latin typeface="+mn-lt"/>
-                <a:ea typeface="+mn-ea"/>
-                <a:cs typeface="+mn-cs"/>
-              </a:defRPr>
-            </a:lvl2pPr>
-            <a:lvl3pPr marL="1143000" indent="-228600" algn="l" defTabSz="914400" rtl="0" eaLnBrk="1" latinLnBrk="0" hangingPunct="1">
-              <a:lnSpc>
-                <a:spcPct val="90000"/>
-              </a:lnSpc>
-              <a:spcBef>
-                <a:spcPts val="500"/>
-              </a:spcBef>
-              <a:buFont typeface="Arial" panose="020B0604020202020204" pitchFamily="34" charset="0"/>
-              <a:buChar char="•"/>
-              <a:defRPr kumimoji="1" sz="2000" kern="1200">
+                <a:latin typeface="HGP創英角ｺﾞｼｯｸUB" panose="020B0900000000000000" pitchFamily="50" charset="-128"/>
+                <a:ea typeface="HGP創英角ｺﾞｼｯｸUB" panose="020B0900000000000000" pitchFamily="50" charset="-128"/>
+              </a:rPr>
+              <a:t>移動速度が変動</a:t>
+            </a:r>
+            <a:r>
+              <a:rPr lang="en-US" altLang="ja-JP" dirty="0">
+                <a:latin typeface="HGP創英角ｺﾞｼｯｸUB" panose="020B0900000000000000" pitchFamily="50" charset="-128"/>
+                <a:ea typeface="HGP創英角ｺﾞｼｯｸUB" panose="020B0900000000000000" pitchFamily="50" charset="-128"/>
+              </a:rPr>
+              <a:t>(</a:t>
+            </a:r>
+            <a:r>
+              <a:rPr lang="ja-JP" altLang="en-US" dirty="0">
+                <a:latin typeface="HGP創英角ｺﾞｼｯｸUB" panose="020B0900000000000000" pitchFamily="50" charset="-128"/>
+                <a:ea typeface="HGP創英角ｺﾞｼｯｸUB" panose="020B0900000000000000" pitchFamily="50" charset="-128"/>
+              </a:rPr>
+              <a:t>上りは遅い、下りは速い</a:t>
+            </a:r>
+            <a:r>
+              <a:rPr lang="en-US" altLang="ja-JP" dirty="0">
+                <a:latin typeface="HGP創英角ｺﾞｼｯｸUB" panose="020B0900000000000000" pitchFamily="50" charset="-128"/>
+                <a:ea typeface="HGP創英角ｺﾞｼｯｸUB" panose="020B0900000000000000" pitchFamily="50" charset="-128"/>
+              </a:rPr>
+              <a:t>)</a:t>
+            </a:r>
+          </a:p>
+          <a:p>
+            <a:r>
+              <a:rPr lang="ja-JP" altLang="en-US" dirty="0">
+                <a:latin typeface="HGP創英角ｺﾞｼｯｸUB" panose="020B0900000000000000" pitchFamily="50" charset="-128"/>
+                <a:ea typeface="HGP創英角ｺﾞｼｯｸUB" panose="020B0900000000000000" pitchFamily="50" charset="-128"/>
+              </a:rPr>
+              <a:t>傾くことによる</a:t>
+            </a:r>
+            <a:r>
+              <a:rPr lang="ja-JP" altLang="en-US" dirty="0">
                 <a:solidFill>
-                  <a:schemeClr val="tx1"/>
+                  <a:srgbClr val="FF0000"/>
                 </a:solidFill>
-                <a:latin typeface="+mn-lt"/>
-                <a:ea typeface="+mn-ea"/>
-                <a:cs typeface="+mn-cs"/>
-              </a:defRPr>
-            </a:lvl3pPr>
-            <a:lvl4pPr marL="1600200" indent="-228600" algn="l" defTabSz="914400" rtl="0" eaLnBrk="1" latinLnBrk="0" hangingPunct="1">
-              <a:lnSpc>
-                <a:spcPct val="90000"/>
-              </a:lnSpc>
-              <a:spcBef>
-                <a:spcPts val="500"/>
-              </a:spcBef>
-              <a:buFont typeface="Arial" panose="020B0604020202020204" pitchFamily="34" charset="0"/>
-              <a:buChar char="•"/>
-              <a:defRPr kumimoji="1" sz="1800" kern="1200">
+                <a:latin typeface="HGP創英角ｺﾞｼｯｸUB" panose="020B0900000000000000" pitchFamily="50" charset="-128"/>
+                <a:ea typeface="HGP創英角ｺﾞｼｯｸUB" panose="020B0900000000000000" pitchFamily="50" charset="-128"/>
+              </a:rPr>
+              <a:t>マップ構造の変化</a:t>
+            </a:r>
+            <a:r>
+              <a:rPr lang="en-US" altLang="ja-JP" dirty="0">
+                <a:latin typeface="HGP創英角ｺﾞｼｯｸUB" panose="020B0900000000000000" pitchFamily="50" charset="-128"/>
+                <a:ea typeface="HGP創英角ｺﾞｼｯｸUB" panose="020B0900000000000000" pitchFamily="50" charset="-128"/>
+              </a:rPr>
+              <a:t>(</a:t>
+            </a:r>
+            <a:r>
+              <a:rPr lang="ja-JP" altLang="en-US" dirty="0">
+                <a:latin typeface="HGP創英角ｺﾞｼｯｸUB" panose="020B0900000000000000" pitchFamily="50" charset="-128"/>
+                <a:ea typeface="HGP創英角ｺﾞｼｯｸUB" panose="020B0900000000000000" pitchFamily="50" charset="-128"/>
+              </a:rPr>
+              <a:t>壁がせりあがる等</a:t>
+            </a:r>
+            <a:r>
+              <a:rPr lang="en-US" altLang="ja-JP" dirty="0">
+                <a:latin typeface="HGP創英角ｺﾞｼｯｸUB" panose="020B0900000000000000" pitchFamily="50" charset="-128"/>
+                <a:ea typeface="HGP創英角ｺﾞｼｯｸUB" panose="020B0900000000000000" pitchFamily="50" charset="-128"/>
+              </a:rPr>
+              <a:t>)</a:t>
+            </a:r>
+          </a:p>
+          <a:p>
+            <a:r>
+              <a:rPr lang="ja-JP" altLang="en-US" dirty="0">
+                <a:latin typeface="HGP創英角ｺﾞｼｯｸUB" panose="020B0900000000000000" pitchFamily="50" charset="-128"/>
+                <a:ea typeface="HGP創英角ｺﾞｼｯｸUB" panose="020B0900000000000000" pitchFamily="50" charset="-128"/>
+              </a:rPr>
+              <a:t>傾きで起動する</a:t>
+            </a:r>
+            <a:r>
+              <a:rPr lang="ja-JP" altLang="en-US" dirty="0">
                 <a:solidFill>
-                  <a:schemeClr val="tx1"/>
+                  <a:srgbClr val="FF0000"/>
                 </a:solidFill>
-                <a:latin typeface="+mn-lt"/>
-                <a:ea typeface="+mn-ea"/>
-                <a:cs typeface="+mn-cs"/>
-              </a:defRPr>
-            </a:lvl4pPr>
-            <a:lvl5pPr marL="2057400" indent="-228600" algn="l" defTabSz="914400" rtl="0" eaLnBrk="1" latinLnBrk="0" hangingPunct="1">
-              <a:lnSpc>
-                <a:spcPct val="90000"/>
-              </a:lnSpc>
-              <a:spcBef>
-                <a:spcPts val="500"/>
-              </a:spcBef>
-              <a:buFont typeface="Arial" panose="020B0604020202020204" pitchFamily="34" charset="0"/>
-              <a:buChar char="•"/>
-              <a:defRPr kumimoji="1" sz="1800" kern="1200">
-                <a:solidFill>
-                  <a:schemeClr val="tx1"/>
-                </a:solidFill>
-                <a:latin typeface="+mn-lt"/>
-                <a:ea typeface="+mn-ea"/>
-                <a:cs typeface="+mn-cs"/>
-              </a:defRPr>
-            </a:lvl5pPr>
-            <a:lvl6pPr marL="2514600" indent="-228600" algn="l" defTabSz="914400" rtl="0" eaLnBrk="1" latinLnBrk="0" hangingPunct="1">
-              <a:lnSpc>
-                <a:spcPct val="90000"/>
-              </a:lnSpc>
-              <a:spcBef>
-                <a:spcPts val="500"/>
-              </a:spcBef>
-              <a:buFont typeface="Arial" panose="020B0604020202020204" pitchFamily="34" charset="0"/>
-              <a:buChar char="•"/>
-              <a:defRPr kumimoji="1" sz="1800" kern="1200">
-                <a:solidFill>
-                  <a:schemeClr val="tx1"/>
-                </a:solidFill>
-                <a:latin typeface="+mn-lt"/>
-                <a:ea typeface="+mn-ea"/>
-                <a:cs typeface="+mn-cs"/>
-              </a:defRPr>
-            </a:lvl6pPr>
-            <a:lvl7pPr marL="2971800" indent="-228600" algn="l" defTabSz="914400" rtl="0" eaLnBrk="1" latinLnBrk="0" hangingPunct="1">
-              <a:lnSpc>
-                <a:spcPct val="90000"/>
-              </a:lnSpc>
-              <a:spcBef>
-                <a:spcPts val="500"/>
-              </a:spcBef>
-              <a:buFont typeface="Arial" panose="020B0604020202020204" pitchFamily="34" charset="0"/>
-              <a:buChar char="•"/>
-              <a:defRPr kumimoji="1" sz="1800" kern="1200">
-                <a:solidFill>
-                  <a:schemeClr val="tx1"/>
-                </a:solidFill>
-                <a:latin typeface="+mn-lt"/>
-                <a:ea typeface="+mn-ea"/>
-                <a:cs typeface="+mn-cs"/>
-              </a:defRPr>
-            </a:lvl7pPr>
-            <a:lvl8pPr marL="3429000" indent="-228600" algn="l" defTabSz="914400" rtl="0" eaLnBrk="1" latinLnBrk="0" hangingPunct="1">
-              <a:lnSpc>
-                <a:spcPct val="90000"/>
-              </a:lnSpc>
-              <a:spcBef>
-                <a:spcPts val="500"/>
-              </a:spcBef>
-              <a:buFont typeface="Arial" panose="020B0604020202020204" pitchFamily="34" charset="0"/>
-              <a:buChar char="•"/>
-              <a:defRPr kumimoji="1" sz="1800" kern="1200">
-                <a:solidFill>
-                  <a:schemeClr val="tx1"/>
-                </a:solidFill>
-                <a:latin typeface="+mn-lt"/>
-                <a:ea typeface="+mn-ea"/>
-                <a:cs typeface="+mn-cs"/>
-              </a:defRPr>
-            </a:lvl8pPr>
-            <a:lvl9pPr marL="3886200" indent="-228600" algn="l" defTabSz="914400" rtl="0" eaLnBrk="1" latinLnBrk="0" hangingPunct="1">
-              <a:lnSpc>
-                <a:spcPct val="90000"/>
-              </a:lnSpc>
-              <a:spcBef>
-                <a:spcPts val="500"/>
-              </a:spcBef>
-              <a:buFont typeface="Arial" panose="020B0604020202020204" pitchFamily="34" charset="0"/>
-              <a:buChar char="•"/>
-              <a:defRPr kumimoji="1" sz="1800" kern="1200">
-                <a:solidFill>
-                  <a:schemeClr val="tx1"/>
-                </a:solidFill>
-                <a:latin typeface="+mn-lt"/>
-                <a:ea typeface="+mn-ea"/>
-                <a:cs typeface="+mn-cs"/>
-              </a:defRPr>
-            </a:lvl9pPr>
-          </a:lstStyle>
-          <a:p>
-            <a:pPr marL="0" indent="0">
-              <a:buFont typeface="Arial" panose="020B0604020202020204" pitchFamily="34" charset="0"/>
-              <a:buNone/>
-            </a:pPr>
-            <a:r>
-              <a:rPr lang="ja-JP" altLang="en-US" dirty="0"/>
-              <a:t>新しいリメイク要素</a:t>
-            </a:r>
-            <a:endParaRPr lang="en-US" altLang="ja-JP" dirty="0"/>
-          </a:p>
-          <a:p>
-            <a:pPr marL="0" indent="0">
-              <a:buFont typeface="Arial" panose="020B0604020202020204" pitchFamily="34" charset="0"/>
-              <a:buNone/>
-            </a:pPr>
-            <a:r>
-              <a:rPr lang="ja-JP" altLang="en-US" dirty="0"/>
-              <a:t>・マップの傾き</a:t>
-            </a:r>
-            <a:endParaRPr lang="en-US" altLang="ja-JP" dirty="0"/>
-          </a:p>
-          <a:p>
-            <a:pPr marL="0" indent="0">
-              <a:buFont typeface="Arial" panose="020B0604020202020204" pitchFamily="34" charset="0"/>
-              <a:buNone/>
-            </a:pPr>
-            <a:r>
-              <a:rPr lang="ja-JP" altLang="en-US" dirty="0"/>
-              <a:t>・傾きで生まれる移動速度変動</a:t>
-            </a:r>
-            <a:endParaRPr lang="en-US" altLang="ja-JP" dirty="0"/>
-          </a:p>
-          <a:p>
-            <a:pPr marL="0" indent="0">
-              <a:buFont typeface="Arial" panose="020B0604020202020204" pitchFamily="34" charset="0"/>
-              <a:buNone/>
-            </a:pPr>
-            <a:r>
-              <a:rPr lang="ja-JP" altLang="en-US" dirty="0"/>
-              <a:t>・傾きで生まれるマップの変化</a:t>
-            </a:r>
-            <a:endParaRPr lang="en-US" altLang="ja-JP" dirty="0"/>
-          </a:p>
-          <a:p>
-            <a:pPr marL="0" indent="0">
-              <a:buFont typeface="Arial" panose="020B0604020202020204" pitchFamily="34" charset="0"/>
-              <a:buNone/>
-            </a:pPr>
-            <a:endParaRPr lang="en-US" altLang="ja-JP" dirty="0"/>
+                <a:latin typeface="HGP創英角ｺﾞｼｯｸUB" panose="020B0900000000000000" pitchFamily="50" charset="-128"/>
+                <a:ea typeface="HGP創英角ｺﾞｼｯｸUB" panose="020B0900000000000000" pitchFamily="50" charset="-128"/>
+              </a:rPr>
+              <a:t>ギミック</a:t>
+            </a:r>
+            <a:r>
+              <a:rPr lang="en-US" altLang="ja-JP" dirty="0">
+                <a:latin typeface="HGP創英角ｺﾞｼｯｸUB" panose="020B0900000000000000" pitchFamily="50" charset="-128"/>
+                <a:ea typeface="HGP創英角ｺﾞｼｯｸUB" panose="020B0900000000000000" pitchFamily="50" charset="-128"/>
+              </a:rPr>
+              <a:t>(</a:t>
+            </a:r>
+            <a:r>
+              <a:rPr lang="ja-JP" altLang="en-US" dirty="0">
+                <a:latin typeface="HGP創英角ｺﾞｼｯｸUB" panose="020B0900000000000000" pitchFamily="50" charset="-128"/>
+                <a:ea typeface="HGP創英角ｺﾞｼｯｸUB" panose="020B0900000000000000" pitchFamily="50" charset="-128"/>
+              </a:rPr>
+              <a:t>水流、転がる岩等</a:t>
+            </a:r>
+            <a:r>
+              <a:rPr lang="en-US" altLang="ja-JP" dirty="0">
+                <a:latin typeface="HGP創英角ｺﾞｼｯｸUB" panose="020B0900000000000000" pitchFamily="50" charset="-128"/>
+                <a:ea typeface="HGP創英角ｺﾞｼｯｸUB" panose="020B0900000000000000" pitchFamily="50" charset="-128"/>
+              </a:rPr>
+              <a:t>)</a:t>
+            </a:r>
+            <a:endParaRPr lang="ja-JP" altLang="en-US" dirty="0">
+              <a:latin typeface="HGP創英角ｺﾞｼｯｸUB" panose="020B0900000000000000" pitchFamily="50" charset="-128"/>
+              <a:ea typeface="HGP創英角ｺﾞｼｯｸUB" panose="020B0900000000000000" pitchFamily="50" charset="-128"/>
+            </a:endParaRPr>
           </a:p>
         </p:txBody>
       </p:sp>
@@ -4379,10 +4384,16 @@
           <a:lstStyle/>
           <a:p>
             <a:r>
-              <a:rPr lang="ja-JP" altLang="en-US" dirty="0"/>
+              <a:rPr lang="ja-JP" altLang="en-US" dirty="0">
+                <a:latin typeface="HGP創英角ｺﾞｼｯｸUB" panose="020B0900000000000000" pitchFamily="50" charset="-128"/>
+                <a:ea typeface="HGP創英角ｺﾞｼｯｸUB" panose="020B0900000000000000" pitchFamily="50" charset="-128"/>
+              </a:rPr>
               <a:t>リメイク元から変更された点</a:t>
             </a:r>
-            <a:endParaRPr kumimoji="1" lang="ja-JP" altLang="en-US" dirty="0"/>
+            <a:endParaRPr kumimoji="1" lang="ja-JP" altLang="en-US" dirty="0">
+              <a:latin typeface="HGP創英角ｺﾞｼｯｸUB" panose="020B0900000000000000" pitchFamily="50" charset="-128"/>
+              <a:ea typeface="HGP創英角ｺﾞｼｯｸUB" panose="020B0900000000000000" pitchFamily="50" charset="-128"/>
+            </a:endParaRPr>
           </a:p>
         </p:txBody>
       </p:sp>
@@ -4408,34 +4419,252 @@
           <a:lstStyle/>
           <a:p>
             <a:r>
-              <a:rPr kumimoji="1" lang="ja-JP" altLang="en-US" dirty="0"/>
-              <a:t>各種新要素の</a:t>
-            </a:r>
-            <a:r>
-              <a:rPr lang="ja-JP" altLang="en-US" dirty="0"/>
+              <a:rPr kumimoji="1" lang="ja-JP" altLang="en-US" dirty="0">
+                <a:latin typeface="HGP創英角ｺﾞｼｯｸUB" panose="020B0900000000000000" pitchFamily="50" charset="-128"/>
+                <a:ea typeface="HGP創英角ｺﾞｼｯｸUB" panose="020B0900000000000000" pitchFamily="50" charset="-128"/>
+              </a:rPr>
+              <a:t>新要素「</a:t>
+            </a:r>
+            <a:r>
+              <a:rPr kumimoji="1" lang="ja-JP" altLang="en-US" dirty="0">
+                <a:solidFill>
+                  <a:srgbClr val="FF0000"/>
+                </a:solidFill>
+                <a:latin typeface="HGP創英角ｺﾞｼｯｸUB" panose="020B0900000000000000" pitchFamily="50" charset="-128"/>
+                <a:ea typeface="HGP創英角ｺﾞｼｯｸUB" panose="020B0900000000000000" pitchFamily="50" charset="-128"/>
+              </a:rPr>
+              <a:t>傾き</a:t>
+            </a:r>
+            <a:r>
+              <a:rPr kumimoji="1" lang="ja-JP" altLang="en-US" dirty="0">
+                <a:latin typeface="HGP創英角ｺﾞｼｯｸUB" panose="020B0900000000000000" pitchFamily="50" charset="-128"/>
+                <a:ea typeface="HGP創英角ｺﾞｼｯｸUB" panose="020B0900000000000000" pitchFamily="50" charset="-128"/>
+              </a:rPr>
+              <a:t>」の</a:t>
+            </a:r>
+            <a:r>
+              <a:rPr lang="ja-JP" altLang="en-US" dirty="0">
+                <a:latin typeface="HGP創英角ｺﾞｼｯｸUB" panose="020B0900000000000000" pitchFamily="50" charset="-128"/>
+                <a:ea typeface="HGP創英角ｺﾞｼｯｸUB" panose="020B0900000000000000" pitchFamily="50" charset="-128"/>
+              </a:rPr>
               <a:t>追加</a:t>
             </a:r>
-            <a:endParaRPr lang="en-US" altLang="ja-JP" dirty="0"/>
-          </a:p>
-          <a:p>
-            <a:r>
-              <a:rPr kumimoji="1" lang="ja-JP" altLang="en-US" dirty="0"/>
-              <a:t>ステージをクリアして次に進む方式ではなく難易度選択方式</a:t>
-            </a:r>
-            <a:endParaRPr kumimoji="1" lang="en-US" altLang="ja-JP" dirty="0"/>
-          </a:p>
-          <a:p>
-            <a:r>
-              <a:rPr lang="ja-JP" altLang="en-US" dirty="0"/>
-              <a:t>選択方式への変更に伴いボーナス面の削除</a:t>
-            </a:r>
-            <a:endParaRPr lang="en-US" altLang="ja-JP" dirty="0"/>
-          </a:p>
-          <a:p>
-            <a:r>
-              <a:rPr kumimoji="1" lang="ja-JP" altLang="en-US" dirty="0"/>
-              <a:t>ボーナス面の削除に伴い残機の回復を削除</a:t>
-            </a:r>
+            <a:endParaRPr lang="en-US" altLang="ja-JP" dirty="0">
+              <a:latin typeface="HGP創英角ｺﾞｼｯｸUB" panose="020B0900000000000000" pitchFamily="50" charset="-128"/>
+              <a:ea typeface="HGP創英角ｺﾞｼｯｸUB" panose="020B0900000000000000" pitchFamily="50" charset="-128"/>
+            </a:endParaRPr>
+          </a:p>
+          <a:p>
+            <a:r>
+              <a:rPr kumimoji="1" lang="ja-JP" altLang="en-US" dirty="0">
+                <a:latin typeface="HGP創英角ｺﾞｼｯｸUB" panose="020B0900000000000000" pitchFamily="50" charset="-128"/>
+                <a:ea typeface="HGP創英角ｺﾞｼｯｸUB" panose="020B0900000000000000" pitchFamily="50" charset="-128"/>
+              </a:rPr>
+              <a:t>ステージをクリアして次に進む方式ではなく</a:t>
+            </a:r>
+            <a:r>
+              <a:rPr kumimoji="1" lang="ja-JP" altLang="en-US" dirty="0">
+                <a:solidFill>
+                  <a:srgbClr val="FF0000"/>
+                </a:solidFill>
+                <a:latin typeface="HGP創英角ｺﾞｼｯｸUB" panose="020B0900000000000000" pitchFamily="50" charset="-128"/>
+                <a:ea typeface="HGP創英角ｺﾞｼｯｸUB" panose="020B0900000000000000" pitchFamily="50" charset="-128"/>
+              </a:rPr>
+              <a:t>マップ選択</a:t>
+            </a:r>
+            <a:r>
+              <a:rPr kumimoji="1" lang="ja-JP" altLang="en-US" dirty="0">
+                <a:latin typeface="HGP創英角ｺﾞｼｯｸUB" panose="020B0900000000000000" pitchFamily="50" charset="-128"/>
+                <a:ea typeface="HGP創英角ｺﾞｼｯｸUB" panose="020B0900000000000000" pitchFamily="50" charset="-128"/>
+              </a:rPr>
+              <a:t>方式</a:t>
+            </a:r>
+            <a:endParaRPr kumimoji="1" lang="en-US" altLang="ja-JP" dirty="0">
+              <a:latin typeface="HGP創英角ｺﾞｼｯｸUB" panose="020B0900000000000000" pitchFamily="50" charset="-128"/>
+              <a:ea typeface="HGP創英角ｺﾞｼｯｸUB" panose="020B0900000000000000" pitchFamily="50" charset="-128"/>
+            </a:endParaRPr>
+          </a:p>
+          <a:p>
+            <a:r>
+              <a:rPr lang="ja-JP" altLang="en-US" dirty="0">
+                <a:latin typeface="HGP創英角ｺﾞｼｯｸUB" panose="020B0900000000000000" pitchFamily="50" charset="-128"/>
+                <a:ea typeface="HGP創英角ｺﾞｼｯｸUB" panose="020B0900000000000000" pitchFamily="50" charset="-128"/>
+              </a:rPr>
+              <a:t>選択方式への変更に伴い</a:t>
+            </a:r>
+            <a:r>
+              <a:rPr lang="ja-JP" altLang="en-US" dirty="0">
+                <a:solidFill>
+                  <a:srgbClr val="FF0000"/>
+                </a:solidFill>
+                <a:latin typeface="HGP創英角ｺﾞｼｯｸUB" panose="020B0900000000000000" pitchFamily="50" charset="-128"/>
+                <a:ea typeface="HGP創英角ｺﾞｼｯｸUB" panose="020B0900000000000000" pitchFamily="50" charset="-128"/>
+              </a:rPr>
+              <a:t>ボーナス面の削除</a:t>
+            </a:r>
+            <a:endParaRPr lang="en-US" altLang="ja-JP" dirty="0">
+              <a:solidFill>
+                <a:srgbClr val="FF0000"/>
+              </a:solidFill>
+              <a:latin typeface="HGP創英角ｺﾞｼｯｸUB" panose="020B0900000000000000" pitchFamily="50" charset="-128"/>
+              <a:ea typeface="HGP創英角ｺﾞｼｯｸUB" panose="020B0900000000000000" pitchFamily="50" charset="-128"/>
+            </a:endParaRPr>
+          </a:p>
+          <a:p>
+            <a:r>
+              <a:rPr kumimoji="1" lang="ja-JP" altLang="en-US" dirty="0">
+                <a:latin typeface="HGP創英角ｺﾞｼｯｸUB" panose="020B0900000000000000" pitchFamily="50" charset="-128"/>
+                <a:ea typeface="HGP創英角ｺﾞｼｯｸUB" panose="020B0900000000000000" pitchFamily="50" charset="-128"/>
+              </a:rPr>
+              <a:t>ボーナス面の削除に伴い</a:t>
+            </a:r>
+            <a:r>
+              <a:rPr kumimoji="1" lang="ja-JP" altLang="en-US" dirty="0">
+                <a:solidFill>
+                  <a:srgbClr val="FF0000"/>
+                </a:solidFill>
+                <a:latin typeface="HGP創英角ｺﾞｼｯｸUB" panose="020B0900000000000000" pitchFamily="50" charset="-128"/>
+                <a:ea typeface="HGP創英角ｺﾞｼｯｸUB" panose="020B0900000000000000" pitchFamily="50" charset="-128"/>
+              </a:rPr>
+              <a:t>残機の回復を削除</a:t>
+            </a:r>
+            <a:endParaRPr kumimoji="1" lang="en-US" altLang="ja-JP" dirty="0">
+              <a:solidFill>
+                <a:srgbClr val="FF0000"/>
+              </a:solidFill>
+              <a:latin typeface="HGP創英角ｺﾞｼｯｸUB" panose="020B0900000000000000" pitchFamily="50" charset="-128"/>
+              <a:ea typeface="HGP創英角ｺﾞｼｯｸUB" panose="020B0900000000000000" pitchFamily="50" charset="-128"/>
+            </a:endParaRPr>
+          </a:p>
+          <a:p>
+            <a:r>
+              <a:rPr kumimoji="1" lang="ja-JP" altLang="en-US" dirty="0">
+                <a:latin typeface="HGP創英角ｺﾞｼｯｸUB" panose="020B0900000000000000" pitchFamily="50" charset="-128"/>
+                <a:ea typeface="HGP創英角ｺﾞｼｯｸUB" panose="020B0900000000000000" pitchFamily="50" charset="-128"/>
+              </a:rPr>
+              <a:t>難易度は</a:t>
+            </a:r>
+            <a:r>
+              <a:rPr kumimoji="1" lang="en-US" altLang="ja-JP" dirty="0">
+                <a:latin typeface="HGP創英角ｺﾞｼｯｸUB" panose="020B0900000000000000" pitchFamily="50" charset="-128"/>
+                <a:ea typeface="HGP創英角ｺﾞｼｯｸUB" panose="020B0900000000000000" pitchFamily="50" charset="-128"/>
+              </a:rPr>
+              <a:t>AI</a:t>
+            </a:r>
+            <a:r>
+              <a:rPr kumimoji="1" lang="ja-JP" altLang="en-US" dirty="0">
+                <a:latin typeface="HGP創英角ｺﾞｼｯｸUB" panose="020B0900000000000000" pitchFamily="50" charset="-128"/>
+                <a:ea typeface="HGP創英角ｺﾞｼｯｸUB" panose="020B0900000000000000" pitchFamily="50" charset="-128"/>
+              </a:rPr>
+              <a:t>で</a:t>
+            </a:r>
+            <a:r>
+              <a:rPr kumimoji="1" lang="ja-JP" altLang="en-US" dirty="0">
+                <a:solidFill>
+                  <a:srgbClr val="FF0000"/>
+                </a:solidFill>
+                <a:latin typeface="HGP創英角ｺﾞｼｯｸUB" panose="020B0900000000000000" pitchFamily="50" charset="-128"/>
+                <a:ea typeface="HGP創英角ｺﾞｼｯｸUB" panose="020B0900000000000000" pitchFamily="50" charset="-128"/>
+              </a:rPr>
+              <a:t>リアルタイム変化</a:t>
+            </a:r>
+            <a:endParaRPr kumimoji="1" lang="en-US" altLang="ja-JP" dirty="0">
+              <a:solidFill>
+                <a:srgbClr val="FF0000"/>
+              </a:solidFill>
+              <a:latin typeface="HGP創英角ｺﾞｼｯｸUB" panose="020B0900000000000000" pitchFamily="50" charset="-128"/>
+              <a:ea typeface="HGP創英角ｺﾞｼｯｸUB" panose="020B0900000000000000" pitchFamily="50" charset="-128"/>
+            </a:endParaRPr>
+          </a:p>
+          <a:p>
+            <a:r>
+              <a:rPr kumimoji="1" lang="en-US" altLang="ja-JP" dirty="0">
+                <a:latin typeface="HGP創英角ｺﾞｼｯｸUB" panose="020B0900000000000000" pitchFamily="50" charset="-128"/>
+                <a:ea typeface="HGP創英角ｺﾞｼｯｸUB" panose="020B0900000000000000" pitchFamily="50" charset="-128"/>
+              </a:rPr>
+              <a:t>AI</a:t>
+            </a:r>
+            <a:r>
+              <a:rPr kumimoji="1" lang="ja-JP" altLang="en-US" dirty="0">
+                <a:latin typeface="HGP創英角ｺﾞｼｯｸUB" panose="020B0900000000000000" pitchFamily="50" charset="-128"/>
+                <a:ea typeface="HGP創英角ｺﾞｼｯｸUB" panose="020B0900000000000000" pitchFamily="50" charset="-128"/>
+              </a:rPr>
+              <a:t>機能は</a:t>
+            </a:r>
+            <a:r>
+              <a:rPr kumimoji="1" lang="ja-JP" altLang="en-US" dirty="0">
+                <a:solidFill>
+                  <a:srgbClr val="FF0000"/>
+                </a:solidFill>
+                <a:latin typeface="HGP創英角ｺﾞｼｯｸUB" panose="020B0900000000000000" pitchFamily="50" charset="-128"/>
+                <a:ea typeface="HGP創英角ｺﾞｼｯｸUB" panose="020B0900000000000000" pitchFamily="50" charset="-128"/>
+              </a:rPr>
+              <a:t>オンオフ</a:t>
+            </a:r>
+            <a:r>
+              <a:rPr kumimoji="1" lang="ja-JP" altLang="en-US" dirty="0">
+                <a:latin typeface="HGP創英角ｺﾞｼｯｸUB" panose="020B0900000000000000" pitchFamily="50" charset="-128"/>
+                <a:ea typeface="HGP創英角ｺﾞｼｯｸUB" panose="020B0900000000000000" pitchFamily="50" charset="-128"/>
+              </a:rPr>
+              <a:t>可能</a:t>
+            </a:r>
+            <a:r>
+              <a:rPr kumimoji="1" lang="en-US" altLang="ja-JP" dirty="0">
+                <a:latin typeface="HGP創英角ｺﾞｼｯｸUB" panose="020B0900000000000000" pitchFamily="50" charset="-128"/>
+                <a:ea typeface="HGP創英角ｺﾞｼｯｸUB" panose="020B0900000000000000" pitchFamily="50" charset="-128"/>
+              </a:rPr>
+              <a:t>(</a:t>
+            </a:r>
+            <a:r>
+              <a:rPr kumimoji="1" lang="ja-JP" altLang="en-US" dirty="0">
+                <a:latin typeface="HGP創英角ｺﾞｼｯｸUB" panose="020B0900000000000000" pitchFamily="50" charset="-128"/>
+                <a:ea typeface="HGP創英角ｺﾞｼｯｸUB" panose="020B0900000000000000" pitchFamily="50" charset="-128"/>
+              </a:rPr>
+              <a:t>完全なパターン化</a:t>
+            </a:r>
+            <a:r>
+              <a:rPr kumimoji="1" lang="en-US" altLang="ja-JP" dirty="0">
+                <a:latin typeface="HGP創英角ｺﾞｼｯｸUB" panose="020B0900000000000000" pitchFamily="50" charset="-128"/>
+                <a:ea typeface="HGP創英角ｺﾞｼｯｸUB" panose="020B0900000000000000" pitchFamily="50" charset="-128"/>
+              </a:rPr>
+              <a:t>)</a:t>
+            </a:r>
+          </a:p>
+          <a:p>
+            <a:r>
+              <a:rPr kumimoji="1" lang="ja-JP" altLang="en-US" dirty="0">
+                <a:latin typeface="HGP創英角ｺﾞｼｯｸUB" panose="020B0900000000000000" pitchFamily="50" charset="-128"/>
+                <a:ea typeface="HGP創英角ｺﾞｼｯｸUB" panose="020B0900000000000000" pitchFamily="50" charset="-128"/>
+              </a:rPr>
+              <a:t>スクロールの壁は</a:t>
+            </a:r>
+            <a:r>
+              <a:rPr kumimoji="1" lang="ja-JP" altLang="en-US" dirty="0">
+                <a:solidFill>
+                  <a:srgbClr val="FF0000"/>
+                </a:solidFill>
+                <a:latin typeface="HGP創英角ｺﾞｼｯｸUB" panose="020B0900000000000000" pitchFamily="50" charset="-128"/>
+                <a:ea typeface="HGP創英角ｺﾞｼｯｸUB" panose="020B0900000000000000" pitchFamily="50" charset="-128"/>
+              </a:rPr>
+              <a:t>接触で</a:t>
+            </a:r>
+            <a:r>
+              <a:rPr lang="ja-JP" altLang="en-US" dirty="0">
+                <a:solidFill>
+                  <a:srgbClr val="FF0000"/>
+                </a:solidFill>
+                <a:latin typeface="HGP創英角ｺﾞｼｯｸUB" panose="020B0900000000000000" pitchFamily="50" charset="-128"/>
+                <a:ea typeface="HGP創英角ｺﾞｼｯｸUB" panose="020B0900000000000000" pitchFamily="50" charset="-128"/>
+              </a:rPr>
+              <a:t>ダメージ</a:t>
+            </a:r>
+            <a:endParaRPr kumimoji="1" lang="ja-JP" altLang="en-US" dirty="0">
+              <a:solidFill>
+                <a:srgbClr val="FF0000"/>
+              </a:solidFill>
+              <a:latin typeface="HGP創英角ｺﾞｼｯｸUB" panose="020B0900000000000000" pitchFamily="50" charset="-128"/>
+              <a:ea typeface="HGP創英角ｺﾞｼｯｸUB" panose="020B0900000000000000" pitchFamily="50" charset="-128"/>
+            </a:endParaRPr>
           </a:p>
         </p:txBody>
       </p:sp>
